--- a/manuscript/figures-draft-jyl.pptx
+++ b/manuscript/figures-draft-jyl.pptx
@@ -199,7 +199,7 @@
             <a:fld id="{8B4EBA7A-56E1-4937-B6A7-4CCE0E7AD144}" type="datetimeFigureOut">
               <a:rPr lang="en-US" smtClean="0"/>
               <a:pPr/>
-              <a:t>10/31/14</a:t>
+              <a:t>11/4/2014</a:t>
             </a:fld>
             <a:endParaRPr lang="en-US"/>
           </a:p>
@@ -932,7 +932,7 @@
             <a:fld id="{D604A245-C8BD-064D-B7C3-50DA7C8D409F}" type="datetimeFigureOut">
               <a:rPr lang="en-US" smtClean="0"/>
               <a:pPr/>
-              <a:t>10/31/14</a:t>
+              <a:t>11/4/2014</a:t>
             </a:fld>
             <a:endParaRPr lang="en-US"/>
           </a:p>
@@ -1104,7 +1104,7 @@
             <a:fld id="{D604A245-C8BD-064D-B7C3-50DA7C8D409F}" type="datetimeFigureOut">
               <a:rPr lang="en-US" smtClean="0"/>
               <a:pPr/>
-              <a:t>10/31/14</a:t>
+              <a:t>11/4/2014</a:t>
             </a:fld>
             <a:endParaRPr lang="en-US"/>
           </a:p>
@@ -1286,7 +1286,7 @@
             <a:fld id="{D604A245-C8BD-064D-B7C3-50DA7C8D409F}" type="datetimeFigureOut">
               <a:rPr lang="en-US" smtClean="0"/>
               <a:pPr/>
-              <a:t>10/31/14</a:t>
+              <a:t>11/4/2014</a:t>
             </a:fld>
             <a:endParaRPr lang="en-US"/>
           </a:p>
@@ -1458,7 +1458,7 @@
             <a:fld id="{D604A245-C8BD-064D-B7C3-50DA7C8D409F}" type="datetimeFigureOut">
               <a:rPr lang="en-US" smtClean="0"/>
               <a:pPr/>
-              <a:t>10/31/14</a:t>
+              <a:t>11/4/2014</a:t>
             </a:fld>
             <a:endParaRPr lang="en-US"/>
           </a:p>
@@ -1706,7 +1706,7 @@
             <a:fld id="{D604A245-C8BD-064D-B7C3-50DA7C8D409F}" type="datetimeFigureOut">
               <a:rPr lang="en-US" smtClean="0"/>
               <a:pPr/>
-              <a:t>10/31/14</a:t>
+              <a:t>11/4/2014</a:t>
             </a:fld>
             <a:endParaRPr lang="en-US"/>
           </a:p>
@@ -1996,7 +1996,7 @@
             <a:fld id="{D604A245-C8BD-064D-B7C3-50DA7C8D409F}" type="datetimeFigureOut">
               <a:rPr lang="en-US" smtClean="0"/>
               <a:pPr/>
-              <a:t>10/31/14</a:t>
+              <a:t>11/4/2014</a:t>
             </a:fld>
             <a:endParaRPr lang="en-US"/>
           </a:p>
@@ -2420,7 +2420,7 @@
             <a:fld id="{D604A245-C8BD-064D-B7C3-50DA7C8D409F}" type="datetimeFigureOut">
               <a:rPr lang="en-US" smtClean="0"/>
               <a:pPr/>
-              <a:t>10/31/14</a:t>
+              <a:t>11/4/2014</a:t>
             </a:fld>
             <a:endParaRPr lang="en-US"/>
           </a:p>
@@ -2540,7 +2540,7 @@
             <a:fld id="{D604A245-C8BD-064D-B7C3-50DA7C8D409F}" type="datetimeFigureOut">
               <a:rPr lang="en-US" smtClean="0"/>
               <a:pPr/>
-              <a:t>10/31/14</a:t>
+              <a:t>11/4/2014</a:t>
             </a:fld>
             <a:endParaRPr lang="en-US"/>
           </a:p>
@@ -2637,7 +2637,7 @@
             <a:fld id="{D604A245-C8BD-064D-B7C3-50DA7C8D409F}" type="datetimeFigureOut">
               <a:rPr lang="en-US" smtClean="0"/>
               <a:pPr/>
-              <a:t>10/31/14</a:t>
+              <a:t>11/4/2014</a:t>
             </a:fld>
             <a:endParaRPr lang="en-US"/>
           </a:p>
@@ -2916,7 +2916,7 @@
             <a:fld id="{D604A245-C8BD-064D-B7C3-50DA7C8D409F}" type="datetimeFigureOut">
               <a:rPr lang="en-US" smtClean="0"/>
               <a:pPr/>
-              <a:t>10/31/14</a:t>
+              <a:t>11/4/2014</a:t>
             </a:fld>
             <a:endParaRPr lang="en-US"/>
           </a:p>
@@ -3171,7 +3171,7 @@
             <a:fld id="{D604A245-C8BD-064D-B7C3-50DA7C8D409F}" type="datetimeFigureOut">
               <a:rPr lang="en-US" smtClean="0"/>
               <a:pPr/>
-              <a:t>10/31/14</a:t>
+              <a:t>11/4/2014</a:t>
             </a:fld>
             <a:endParaRPr lang="en-US"/>
           </a:p>
@@ -3386,7 +3386,7 @@
             <a:fld id="{D604A245-C8BD-064D-B7C3-50DA7C8D409F}" type="datetimeFigureOut">
               <a:rPr lang="en-US" smtClean="0"/>
               <a:pPr/>
-              <a:t>10/31/14</a:t>
+              <a:t>11/4/2014</a:t>
             </a:fld>
             <a:endParaRPr lang="en-US"/>
           </a:p>
@@ -5245,14 +5245,14 @@
           </a:ln>
           <a:effectLst/>
           <a:extLst>
-            <a:ext uri="{909E8E84-426E-40dd-AFC4-6F175D3DCCD1}">
+            <a:ext uri="{909E8E84-426E-40DD-AFC4-6F175D3DCCD1}">
               <a14:hiddenFill xmlns:a14="http://schemas.microsoft.com/office/drawing/2010/main">
                 <a:solidFill>
                   <a:schemeClr val="accent1"/>
                 </a:solidFill>
               </a14:hiddenFill>
             </a:ext>
-            <a:ext uri="{91240B29-F687-4f45-9708-019B960494DF}">
+            <a:ext uri="{91240B29-F687-4F45-9708-019B960494DF}">
               <a14:hiddenLine xmlns:a14="http://schemas.microsoft.com/office/drawing/2010/main" w="9525">
                 <a:solidFill>
                   <a:schemeClr val="tx1"/>
@@ -5262,7 +5262,7 @@
                 <a:tailEnd/>
               </a14:hiddenLine>
             </a:ext>
-            <a:ext uri="{AF507438-7753-43e0-B8FC-AC1667EBCBE1}">
+            <a:ext uri="{AF507438-7753-43E0-B8FC-AC1667EBCBE1}">
               <a14:hiddenEffects xmlns:a14="http://schemas.microsoft.com/office/drawing/2010/main">
                 <a:effectLst>
                   <a:outerShdw dist="35921" dir="2700000" algn="ctr" rotWithShape="0">
@@ -5309,14 +5309,14 @@
           </a:ln>
           <a:effectLst/>
           <a:extLst>
-            <a:ext uri="{909E8E84-426E-40dd-AFC4-6F175D3DCCD1}">
+            <a:ext uri="{909E8E84-426E-40DD-AFC4-6F175D3DCCD1}">
               <a14:hiddenFill xmlns:a14="http://schemas.microsoft.com/office/drawing/2010/main">
                 <a:solidFill>
                   <a:schemeClr val="accent1"/>
                 </a:solidFill>
               </a14:hiddenFill>
             </a:ext>
-            <a:ext uri="{91240B29-F687-4f45-9708-019B960494DF}">
+            <a:ext uri="{91240B29-F687-4F45-9708-019B960494DF}">
               <a14:hiddenLine xmlns:a14="http://schemas.microsoft.com/office/drawing/2010/main" w="9525">
                 <a:solidFill>
                   <a:schemeClr val="tx1"/>
@@ -5326,7 +5326,7 @@
                 <a:tailEnd/>
               </a14:hiddenLine>
             </a:ext>
-            <a:ext uri="{AF507438-7753-43e0-B8FC-AC1667EBCBE1}">
+            <a:ext uri="{AF507438-7753-43E0-B8FC-AC1667EBCBE1}">
               <a14:hiddenEffects xmlns:a14="http://schemas.microsoft.com/office/drawing/2010/main">
                 <a:effectLst>
                   <a:outerShdw dist="35921" dir="2700000" algn="ctr" rotWithShape="0">
@@ -5712,6 +5712,720 @@
           </a:p>
         </p:txBody>
       </p:sp>
+      <p:pic>
+        <p:nvPicPr>
+          <p:cNvPr id="4" name="Picture 3"/>
+          <p:cNvPicPr>
+            <a:picLocks noChangeAspect="1"/>
+          </p:cNvPicPr>
+          <p:nvPr/>
+        </p:nvPicPr>
+        <p:blipFill>
+          <a:blip r:embed="rId5">
+            <a:extLst>
+              <a:ext uri="{28A0092B-C50C-407E-A947-70E740481C1C}">
+                <a14:useLocalDpi xmlns:a14="http://schemas.microsoft.com/office/drawing/2010/main" val="0"/>
+              </a:ext>
+            </a:extLst>
+          </a:blip>
+          <a:stretch>
+            <a:fillRect/>
+          </a:stretch>
+        </p:blipFill>
+        <p:spPr>
+          <a:xfrm>
+            <a:off x="1700603" y="2419350"/>
+            <a:ext cx="2271321" cy="1770842"/>
+          </a:xfrm>
+          <a:prstGeom prst="rect">
+            <a:avLst/>
+          </a:prstGeom>
+        </p:spPr>
+      </p:pic>
+      <p:grpSp>
+        <p:nvGrpSpPr>
+          <p:cNvPr id="18" name="Group 17"/>
+          <p:cNvGrpSpPr/>
+          <p:nvPr/>
+        </p:nvGrpSpPr>
+        <p:grpSpPr>
+          <a:xfrm>
+            <a:off x="1560758" y="455057"/>
+            <a:ext cx="2344491" cy="1718191"/>
+            <a:chOff x="1560758" y="455057"/>
+            <a:chExt cx="2344491" cy="1718191"/>
+          </a:xfrm>
+        </p:grpSpPr>
+        <p:pic>
+          <p:nvPicPr>
+            <p:cNvPr id="10" name="Picture 9"/>
+            <p:cNvPicPr>
+              <a:picLocks noChangeAspect="1"/>
+            </p:cNvPicPr>
+            <p:nvPr/>
+          </p:nvPicPr>
+          <p:blipFill>
+            <a:blip r:embed="rId6">
+              <a:extLst>
+                <a:ext uri="{28A0092B-C50C-407E-A947-70E740481C1C}">
+                  <a14:useLocalDpi xmlns:a14="http://schemas.microsoft.com/office/drawing/2010/main" val="0"/>
+                </a:ext>
+              </a:extLst>
+            </a:blip>
+            <a:stretch>
+              <a:fillRect/>
+            </a:stretch>
+          </p:blipFill>
+          <p:spPr>
+            <a:xfrm>
+              <a:off x="1690917" y="528944"/>
+              <a:ext cx="2214332" cy="1644304"/>
+            </a:xfrm>
+            <a:prstGeom prst="rect">
+              <a:avLst/>
+            </a:prstGeom>
+          </p:spPr>
+        </p:pic>
+        <p:cxnSp>
+          <p:nvCxnSpPr>
+            <p:cNvPr id="12" name="Straight Arrow Connector 11"/>
+            <p:cNvCxnSpPr/>
+            <p:nvPr/>
+          </p:nvCxnSpPr>
+          <p:spPr>
+            <a:xfrm>
+              <a:off x="2505075" y="643244"/>
+              <a:ext cx="331188" cy="185431"/>
+            </a:xfrm>
+            <a:prstGeom prst="straightConnector1">
+              <a:avLst/>
+            </a:prstGeom>
+            <a:ln w="19050">
+              <a:solidFill>
+                <a:srgbClr val="FF0000"/>
+              </a:solidFill>
+              <a:tailEnd type="arrow"/>
+            </a:ln>
+          </p:spPr>
+          <p:style>
+            <a:lnRef idx="2">
+              <a:schemeClr val="accent1"/>
+            </a:lnRef>
+            <a:fillRef idx="0">
+              <a:schemeClr val="accent1"/>
+            </a:fillRef>
+            <a:effectRef idx="1">
+              <a:schemeClr val="accent1"/>
+            </a:effectRef>
+            <a:fontRef idx="minor">
+              <a:schemeClr val="tx1"/>
+            </a:fontRef>
+          </p:style>
+        </p:cxnSp>
+        <p:sp>
+          <p:nvSpPr>
+            <p:cNvPr id="13" name="TextBox 12"/>
+            <p:cNvSpPr txBox="1"/>
+            <p:nvPr/>
+          </p:nvSpPr>
+          <p:spPr>
+            <a:xfrm>
+              <a:off x="2021885" y="455057"/>
+              <a:ext cx="537327" cy="276999"/>
+            </a:xfrm>
+            <a:prstGeom prst="rect">
+              <a:avLst/>
+            </a:prstGeom>
+            <a:noFill/>
+          </p:spPr>
+          <p:txBody>
+            <a:bodyPr wrap="none" rtlCol="0">
+              <a:spAutoFit/>
+            </a:bodyPr>
+            <a:lstStyle/>
+            <a:p>
+              <a:r>
+                <a:rPr lang="en-US" sz="1200" dirty="0" smtClean="0"/>
+                <a:t>0.995</a:t>
+              </a:r>
+              <a:endParaRPr lang="en-US" sz="1200" dirty="0"/>
+            </a:p>
+          </p:txBody>
+        </p:sp>
+        <p:cxnSp>
+          <p:nvCxnSpPr>
+            <p:cNvPr id="26" name="Straight Arrow Connector 25"/>
+            <p:cNvCxnSpPr/>
+            <p:nvPr/>
+          </p:nvCxnSpPr>
+          <p:spPr>
+            <a:xfrm>
+              <a:off x="2043948" y="1620628"/>
+              <a:ext cx="331188" cy="185431"/>
+            </a:xfrm>
+            <a:prstGeom prst="straightConnector1">
+              <a:avLst/>
+            </a:prstGeom>
+            <a:ln w="19050">
+              <a:solidFill>
+                <a:srgbClr val="FF0000"/>
+              </a:solidFill>
+              <a:tailEnd type="arrow"/>
+            </a:ln>
+          </p:spPr>
+          <p:style>
+            <a:lnRef idx="2">
+              <a:schemeClr val="accent1"/>
+            </a:lnRef>
+            <a:fillRef idx="0">
+              <a:schemeClr val="accent1"/>
+            </a:fillRef>
+            <a:effectRef idx="1">
+              <a:schemeClr val="accent1"/>
+            </a:effectRef>
+            <a:fontRef idx="minor">
+              <a:schemeClr val="tx1"/>
+            </a:fontRef>
+          </p:style>
+        </p:cxnSp>
+        <p:sp>
+          <p:nvSpPr>
+            <p:cNvPr id="27" name="TextBox 26"/>
+            <p:cNvSpPr txBox="1"/>
+            <p:nvPr/>
+          </p:nvSpPr>
+          <p:spPr>
+            <a:xfrm>
+              <a:off x="1560758" y="1432441"/>
+              <a:ext cx="540533" cy="276999"/>
+            </a:xfrm>
+            <a:prstGeom prst="rect">
+              <a:avLst/>
+            </a:prstGeom>
+            <a:noFill/>
+          </p:spPr>
+          <p:txBody>
+            <a:bodyPr wrap="none" rtlCol="0">
+              <a:spAutoFit/>
+            </a:bodyPr>
+            <a:lstStyle/>
+            <a:p>
+              <a:r>
+                <a:rPr lang="en-US" sz="1200" dirty="0" smtClean="0"/>
+                <a:t>0.594</a:t>
+              </a:r>
+              <a:endParaRPr lang="en-US" sz="1200" dirty="0"/>
+            </a:p>
+          </p:txBody>
+        </p:sp>
+      </p:grpSp>
+      <p:cxnSp>
+        <p:nvCxnSpPr>
+          <p:cNvPr id="28" name="Straight Arrow Connector 27"/>
+          <p:cNvCxnSpPr/>
+          <p:nvPr/>
+        </p:nvCxnSpPr>
+        <p:spPr>
+          <a:xfrm>
+            <a:off x="2024898" y="2475735"/>
+            <a:ext cx="331188" cy="185431"/>
+          </a:xfrm>
+          <a:prstGeom prst="straightConnector1">
+            <a:avLst/>
+          </a:prstGeom>
+          <a:ln w="19050">
+            <a:solidFill>
+              <a:srgbClr val="FF0000"/>
+            </a:solidFill>
+            <a:tailEnd type="arrow"/>
+          </a:ln>
+        </p:spPr>
+        <p:style>
+          <a:lnRef idx="2">
+            <a:schemeClr val="accent1"/>
+          </a:lnRef>
+          <a:fillRef idx="0">
+            <a:schemeClr val="accent1"/>
+          </a:fillRef>
+          <a:effectRef idx="1">
+            <a:schemeClr val="accent1"/>
+          </a:effectRef>
+          <a:fontRef idx="minor">
+            <a:schemeClr val="tx1"/>
+          </a:fontRef>
+        </p:style>
+      </p:cxnSp>
+      <p:sp>
+        <p:nvSpPr>
+          <p:cNvPr id="29" name="TextBox 28"/>
+          <p:cNvSpPr txBox="1"/>
+          <p:nvPr/>
+        </p:nvSpPr>
+        <p:spPr>
+          <a:xfrm>
+            <a:off x="1541708" y="2287548"/>
+            <a:ext cx="537327" cy="276999"/>
+          </a:xfrm>
+          <a:prstGeom prst="rect">
+            <a:avLst/>
+          </a:prstGeom>
+          <a:noFill/>
+        </p:spPr>
+        <p:txBody>
+          <a:bodyPr wrap="none" rtlCol="0">
+            <a:spAutoFit/>
+          </a:bodyPr>
+          <a:lstStyle/>
+          <a:p>
+            <a:r>
+              <a:rPr lang="en-US" sz="1200" dirty="0" smtClean="0"/>
+              <a:t>0.798</a:t>
+            </a:r>
+            <a:endParaRPr lang="en-US" sz="1200" dirty="0"/>
+          </a:p>
+        </p:txBody>
+      </p:sp>
+      <p:cxnSp>
+        <p:nvCxnSpPr>
+          <p:cNvPr id="15" name="Straight Arrow Connector 14"/>
+          <p:cNvCxnSpPr/>
+          <p:nvPr/>
+        </p:nvCxnSpPr>
+        <p:spPr>
+          <a:xfrm flipH="1">
+            <a:off x="2699244" y="3360182"/>
+            <a:ext cx="165594" cy="345043"/>
+          </a:xfrm>
+          <a:prstGeom prst="straightConnector1">
+            <a:avLst/>
+          </a:prstGeom>
+          <a:ln w="19050">
+            <a:solidFill>
+              <a:srgbClr val="FF0000"/>
+            </a:solidFill>
+            <a:tailEnd type="arrow"/>
+          </a:ln>
+        </p:spPr>
+        <p:style>
+          <a:lnRef idx="2">
+            <a:schemeClr val="accent1"/>
+          </a:lnRef>
+          <a:fillRef idx="0">
+            <a:schemeClr val="accent1"/>
+          </a:fillRef>
+          <a:effectRef idx="1">
+            <a:schemeClr val="accent1"/>
+          </a:effectRef>
+          <a:fontRef idx="minor">
+            <a:schemeClr val="tx1"/>
+          </a:fontRef>
+        </p:style>
+      </p:cxnSp>
+      <p:sp>
+        <p:nvSpPr>
+          <p:cNvPr id="32" name="TextBox 31"/>
+          <p:cNvSpPr txBox="1"/>
+          <p:nvPr/>
+        </p:nvSpPr>
+        <p:spPr>
+          <a:xfrm>
+            <a:off x="2699244" y="3096769"/>
+            <a:ext cx="458780" cy="276999"/>
+          </a:xfrm>
+          <a:prstGeom prst="rect">
+            <a:avLst/>
+          </a:prstGeom>
+          <a:noFill/>
+        </p:spPr>
+        <p:txBody>
+          <a:bodyPr wrap="none" rtlCol="0">
+            <a:spAutoFit/>
+          </a:bodyPr>
+          <a:lstStyle/>
+          <a:p>
+            <a:r>
+              <a:rPr lang="en-US" sz="1200" dirty="0" smtClean="0"/>
+              <a:t>1.25</a:t>
+            </a:r>
+            <a:endParaRPr lang="en-US" sz="1200" dirty="0"/>
+          </a:p>
+        </p:txBody>
+      </p:sp>
+      <p:cxnSp>
+        <p:nvCxnSpPr>
+          <p:cNvPr id="33" name="Straight Arrow Connector 32"/>
+          <p:cNvCxnSpPr/>
+          <p:nvPr/>
+        </p:nvCxnSpPr>
+        <p:spPr>
+          <a:xfrm flipH="1">
+            <a:off x="3004044" y="3493532"/>
+            <a:ext cx="165594" cy="345043"/>
+          </a:xfrm>
+          <a:prstGeom prst="straightConnector1">
+            <a:avLst/>
+          </a:prstGeom>
+          <a:ln w="19050">
+            <a:solidFill>
+              <a:srgbClr val="FF0000"/>
+            </a:solidFill>
+            <a:tailEnd type="arrow"/>
+          </a:ln>
+        </p:spPr>
+        <p:style>
+          <a:lnRef idx="2">
+            <a:schemeClr val="accent1"/>
+          </a:lnRef>
+          <a:fillRef idx="0">
+            <a:schemeClr val="accent1"/>
+          </a:fillRef>
+          <a:effectRef idx="1">
+            <a:schemeClr val="accent1"/>
+          </a:effectRef>
+          <a:fontRef idx="minor">
+            <a:schemeClr val="tx1"/>
+          </a:fontRef>
+        </p:style>
+      </p:cxnSp>
+      <p:sp>
+        <p:nvSpPr>
+          <p:cNvPr id="34" name="TextBox 33"/>
+          <p:cNvSpPr txBox="1"/>
+          <p:nvPr/>
+        </p:nvSpPr>
+        <p:spPr>
+          <a:xfrm>
+            <a:off x="3004044" y="3230119"/>
+            <a:ext cx="458780" cy="276999"/>
+          </a:xfrm>
+          <a:prstGeom prst="rect">
+            <a:avLst/>
+          </a:prstGeom>
+          <a:noFill/>
+        </p:spPr>
+        <p:txBody>
+          <a:bodyPr wrap="none" rtlCol="0">
+            <a:spAutoFit/>
+          </a:bodyPr>
+          <a:lstStyle/>
+          <a:p>
+            <a:r>
+              <a:rPr lang="en-US" sz="1200" dirty="0" smtClean="0"/>
+              <a:t>1.75</a:t>
+            </a:r>
+            <a:endParaRPr lang="en-US" sz="1200" dirty="0"/>
+          </a:p>
+        </p:txBody>
+      </p:sp>
+      <p:cxnSp>
+        <p:nvCxnSpPr>
+          <p:cNvPr id="35" name="Straight Arrow Connector 34"/>
+          <p:cNvCxnSpPr/>
+          <p:nvPr/>
+        </p:nvCxnSpPr>
+        <p:spPr>
+          <a:xfrm flipH="1">
+            <a:off x="3314093" y="3519117"/>
+            <a:ext cx="165594" cy="345043"/>
+          </a:xfrm>
+          <a:prstGeom prst="straightConnector1">
+            <a:avLst/>
+          </a:prstGeom>
+          <a:ln w="19050">
+            <a:solidFill>
+              <a:srgbClr val="FF0000"/>
+            </a:solidFill>
+            <a:tailEnd type="arrow"/>
+          </a:ln>
+        </p:spPr>
+        <p:style>
+          <a:lnRef idx="2">
+            <a:schemeClr val="accent1"/>
+          </a:lnRef>
+          <a:fillRef idx="0">
+            <a:schemeClr val="accent1"/>
+          </a:fillRef>
+          <a:effectRef idx="1">
+            <a:schemeClr val="accent1"/>
+          </a:effectRef>
+          <a:fontRef idx="minor">
+            <a:schemeClr val="tx1"/>
+          </a:fontRef>
+        </p:style>
+      </p:cxnSp>
+      <p:sp>
+        <p:nvSpPr>
+          <p:cNvPr id="36" name="TextBox 35"/>
+          <p:cNvSpPr txBox="1"/>
+          <p:nvPr/>
+        </p:nvSpPr>
+        <p:spPr>
+          <a:xfrm>
+            <a:off x="3314093" y="3255704"/>
+            <a:ext cx="458780" cy="276999"/>
+          </a:xfrm>
+          <a:prstGeom prst="rect">
+            <a:avLst/>
+          </a:prstGeom>
+          <a:noFill/>
+        </p:spPr>
+        <p:txBody>
+          <a:bodyPr wrap="none" rtlCol="0">
+            <a:spAutoFit/>
+          </a:bodyPr>
+          <a:lstStyle/>
+          <a:p>
+            <a:r>
+              <a:rPr lang="en-US" sz="1200" dirty="0" smtClean="0"/>
+              <a:t>2.22</a:t>
+            </a:r>
+            <a:endParaRPr lang="en-US" sz="1200" dirty="0"/>
+          </a:p>
+        </p:txBody>
+      </p:sp>
+      <p:cxnSp>
+        <p:nvCxnSpPr>
+          <p:cNvPr id="17" name="Straight Arrow Connector 16"/>
+          <p:cNvCxnSpPr/>
+          <p:nvPr/>
+        </p:nvCxnSpPr>
+        <p:spPr>
+          <a:xfrm>
+            <a:off x="3695700" y="3551753"/>
+            <a:ext cx="0" cy="324922"/>
+          </a:xfrm>
+          <a:prstGeom prst="straightConnector1">
+            <a:avLst/>
+          </a:prstGeom>
+          <a:ln w="19050">
+            <a:solidFill>
+              <a:srgbClr val="FF0000"/>
+            </a:solidFill>
+            <a:tailEnd type="arrow"/>
+          </a:ln>
+        </p:spPr>
+        <p:style>
+          <a:lnRef idx="2">
+            <a:schemeClr val="accent1"/>
+          </a:lnRef>
+          <a:fillRef idx="0">
+            <a:schemeClr val="accent1"/>
+          </a:fillRef>
+          <a:effectRef idx="1">
+            <a:schemeClr val="accent1"/>
+          </a:effectRef>
+          <a:fontRef idx="minor">
+            <a:schemeClr val="tx1"/>
+          </a:fontRef>
+        </p:style>
+      </p:cxnSp>
+      <p:sp>
+        <p:nvSpPr>
+          <p:cNvPr id="46" name="TextBox 45"/>
+          <p:cNvSpPr txBox="1"/>
+          <p:nvPr/>
+        </p:nvSpPr>
+        <p:spPr>
+          <a:xfrm>
+            <a:off x="3666518" y="3408104"/>
+            <a:ext cx="458780" cy="276999"/>
+          </a:xfrm>
+          <a:prstGeom prst="rect">
+            <a:avLst/>
+          </a:prstGeom>
+          <a:noFill/>
+        </p:spPr>
+        <p:txBody>
+          <a:bodyPr wrap="none" rtlCol="0">
+            <a:spAutoFit/>
+          </a:bodyPr>
+          <a:lstStyle/>
+          <a:p>
+            <a:r>
+              <a:rPr lang="en-US" sz="1200" dirty="0" smtClean="0"/>
+              <a:t>2.74</a:t>
+            </a:r>
+            <a:endParaRPr lang="en-US" sz="1200" dirty="0"/>
+          </a:p>
+        </p:txBody>
+      </p:sp>
+      <p:grpSp>
+        <p:nvGrpSpPr>
+          <p:cNvPr id="47" name="Group 46"/>
+          <p:cNvGrpSpPr/>
+          <p:nvPr/>
+        </p:nvGrpSpPr>
+        <p:grpSpPr>
+          <a:xfrm>
+            <a:off x="4086225" y="491014"/>
+            <a:ext cx="2344491" cy="1718191"/>
+            <a:chOff x="1560758" y="455057"/>
+            <a:chExt cx="2344491" cy="1718191"/>
+          </a:xfrm>
+        </p:grpSpPr>
+        <p:pic>
+          <p:nvPicPr>
+            <p:cNvPr id="50" name="Picture 49"/>
+            <p:cNvPicPr>
+              <a:picLocks noChangeAspect="1"/>
+            </p:cNvPicPr>
+            <p:nvPr/>
+          </p:nvPicPr>
+          <p:blipFill>
+            <a:blip r:embed="rId6">
+              <a:extLst>
+                <a:ext uri="{28A0092B-C50C-407E-A947-70E740481C1C}">
+                  <a14:useLocalDpi xmlns:a14="http://schemas.microsoft.com/office/drawing/2010/main" val="0"/>
+                </a:ext>
+              </a:extLst>
+            </a:blip>
+            <a:stretch>
+              <a:fillRect/>
+            </a:stretch>
+          </p:blipFill>
+          <p:spPr>
+            <a:xfrm>
+              <a:off x="1690917" y="528944"/>
+              <a:ext cx="2214332" cy="1644304"/>
+            </a:xfrm>
+            <a:prstGeom prst="rect">
+              <a:avLst/>
+            </a:prstGeom>
+          </p:spPr>
+        </p:pic>
+        <p:cxnSp>
+          <p:nvCxnSpPr>
+            <p:cNvPr id="51" name="Straight Arrow Connector 50"/>
+            <p:cNvCxnSpPr/>
+            <p:nvPr/>
+          </p:nvCxnSpPr>
+          <p:spPr>
+            <a:xfrm>
+              <a:off x="2505075" y="643244"/>
+              <a:ext cx="331188" cy="185431"/>
+            </a:xfrm>
+            <a:prstGeom prst="straightConnector1">
+              <a:avLst/>
+            </a:prstGeom>
+            <a:ln w="19050">
+              <a:solidFill>
+                <a:srgbClr val="FF0000"/>
+              </a:solidFill>
+              <a:tailEnd type="arrow"/>
+            </a:ln>
+          </p:spPr>
+          <p:style>
+            <a:lnRef idx="2">
+              <a:schemeClr val="accent1"/>
+            </a:lnRef>
+            <a:fillRef idx="0">
+              <a:schemeClr val="accent1"/>
+            </a:fillRef>
+            <a:effectRef idx="1">
+              <a:schemeClr val="accent1"/>
+            </a:effectRef>
+            <a:fontRef idx="minor">
+              <a:schemeClr val="tx1"/>
+            </a:fontRef>
+          </p:style>
+        </p:cxnSp>
+        <p:sp>
+          <p:nvSpPr>
+            <p:cNvPr id="52" name="TextBox 51"/>
+            <p:cNvSpPr txBox="1"/>
+            <p:nvPr/>
+          </p:nvSpPr>
+          <p:spPr>
+            <a:xfrm>
+              <a:off x="2021885" y="455057"/>
+              <a:ext cx="537327" cy="276999"/>
+            </a:xfrm>
+            <a:prstGeom prst="rect">
+              <a:avLst/>
+            </a:prstGeom>
+            <a:noFill/>
+          </p:spPr>
+          <p:txBody>
+            <a:bodyPr wrap="none" rtlCol="0">
+              <a:spAutoFit/>
+            </a:bodyPr>
+            <a:lstStyle/>
+            <a:p>
+              <a:r>
+                <a:rPr lang="en-US" sz="1200" dirty="0" smtClean="0"/>
+                <a:t>0.995</a:t>
+              </a:r>
+              <a:endParaRPr lang="en-US" sz="1200" dirty="0"/>
+            </a:p>
+          </p:txBody>
+        </p:sp>
+        <p:cxnSp>
+          <p:nvCxnSpPr>
+            <p:cNvPr id="53" name="Straight Arrow Connector 52"/>
+            <p:cNvCxnSpPr/>
+            <p:nvPr/>
+          </p:nvCxnSpPr>
+          <p:spPr>
+            <a:xfrm>
+              <a:off x="2043948" y="1620628"/>
+              <a:ext cx="331188" cy="185431"/>
+            </a:xfrm>
+            <a:prstGeom prst="straightConnector1">
+              <a:avLst/>
+            </a:prstGeom>
+            <a:ln w="19050">
+              <a:solidFill>
+                <a:srgbClr val="FF0000"/>
+              </a:solidFill>
+              <a:tailEnd type="arrow"/>
+            </a:ln>
+          </p:spPr>
+          <p:style>
+            <a:lnRef idx="2">
+              <a:schemeClr val="accent1"/>
+            </a:lnRef>
+            <a:fillRef idx="0">
+              <a:schemeClr val="accent1"/>
+            </a:fillRef>
+            <a:effectRef idx="1">
+              <a:schemeClr val="accent1"/>
+            </a:effectRef>
+            <a:fontRef idx="minor">
+              <a:schemeClr val="tx1"/>
+            </a:fontRef>
+          </p:style>
+        </p:cxnSp>
+        <p:sp>
+          <p:nvSpPr>
+            <p:cNvPr id="54" name="TextBox 53"/>
+            <p:cNvSpPr txBox="1"/>
+            <p:nvPr/>
+          </p:nvSpPr>
+          <p:spPr>
+            <a:xfrm>
+              <a:off x="1560758" y="1432441"/>
+              <a:ext cx="540533" cy="276999"/>
+            </a:xfrm>
+            <a:prstGeom prst="rect">
+              <a:avLst/>
+            </a:prstGeom>
+            <a:noFill/>
+          </p:spPr>
+          <p:txBody>
+            <a:bodyPr wrap="none" rtlCol="0">
+              <a:spAutoFit/>
+            </a:bodyPr>
+            <a:lstStyle/>
+            <a:p>
+              <a:r>
+                <a:rPr lang="en-US" sz="1200" dirty="0" smtClean="0"/>
+                <a:t>0.594</a:t>
+              </a:r>
+              <a:endParaRPr lang="en-US" sz="1200" dirty="0"/>
+            </a:p>
+          </p:txBody>
+        </p:sp>
+      </p:grpSp>
     </p:spTree>
     <p:extLst>
       <p:ext uri="{BB962C8B-B14F-4D97-AF65-F5344CB8AC3E}">

--- a/manuscript/figures-draft-jyl.pptx
+++ b/manuscript/figures-draft-jyl.pptx
@@ -199,7 +199,7 @@
             <a:fld id="{8B4EBA7A-56E1-4937-B6A7-4CCE0E7AD144}" type="datetimeFigureOut">
               <a:rPr lang="en-US" smtClean="0"/>
               <a:pPr/>
-              <a:t>11/4/2014</a:t>
+              <a:t>11/5/2014</a:t>
             </a:fld>
             <a:endParaRPr lang="en-US"/>
           </a:p>
@@ -932,7 +932,7 @@
             <a:fld id="{D604A245-C8BD-064D-B7C3-50DA7C8D409F}" type="datetimeFigureOut">
               <a:rPr lang="en-US" smtClean="0"/>
               <a:pPr/>
-              <a:t>11/4/2014</a:t>
+              <a:t>11/5/2014</a:t>
             </a:fld>
             <a:endParaRPr lang="en-US"/>
           </a:p>
@@ -1104,7 +1104,7 @@
             <a:fld id="{D604A245-C8BD-064D-B7C3-50DA7C8D409F}" type="datetimeFigureOut">
               <a:rPr lang="en-US" smtClean="0"/>
               <a:pPr/>
-              <a:t>11/4/2014</a:t>
+              <a:t>11/5/2014</a:t>
             </a:fld>
             <a:endParaRPr lang="en-US"/>
           </a:p>
@@ -1286,7 +1286,7 @@
             <a:fld id="{D604A245-C8BD-064D-B7C3-50DA7C8D409F}" type="datetimeFigureOut">
               <a:rPr lang="en-US" smtClean="0"/>
               <a:pPr/>
-              <a:t>11/4/2014</a:t>
+              <a:t>11/5/2014</a:t>
             </a:fld>
             <a:endParaRPr lang="en-US"/>
           </a:p>
@@ -1458,7 +1458,7 @@
             <a:fld id="{D604A245-C8BD-064D-B7C3-50DA7C8D409F}" type="datetimeFigureOut">
               <a:rPr lang="en-US" smtClean="0"/>
               <a:pPr/>
-              <a:t>11/4/2014</a:t>
+              <a:t>11/5/2014</a:t>
             </a:fld>
             <a:endParaRPr lang="en-US"/>
           </a:p>
@@ -1706,7 +1706,7 @@
             <a:fld id="{D604A245-C8BD-064D-B7C3-50DA7C8D409F}" type="datetimeFigureOut">
               <a:rPr lang="en-US" smtClean="0"/>
               <a:pPr/>
-              <a:t>11/4/2014</a:t>
+              <a:t>11/5/2014</a:t>
             </a:fld>
             <a:endParaRPr lang="en-US"/>
           </a:p>
@@ -1996,7 +1996,7 @@
             <a:fld id="{D604A245-C8BD-064D-B7C3-50DA7C8D409F}" type="datetimeFigureOut">
               <a:rPr lang="en-US" smtClean="0"/>
               <a:pPr/>
-              <a:t>11/4/2014</a:t>
+              <a:t>11/5/2014</a:t>
             </a:fld>
             <a:endParaRPr lang="en-US"/>
           </a:p>
@@ -2420,7 +2420,7 @@
             <a:fld id="{D604A245-C8BD-064D-B7C3-50DA7C8D409F}" type="datetimeFigureOut">
               <a:rPr lang="en-US" smtClean="0"/>
               <a:pPr/>
-              <a:t>11/4/2014</a:t>
+              <a:t>11/5/2014</a:t>
             </a:fld>
             <a:endParaRPr lang="en-US"/>
           </a:p>
@@ -2540,7 +2540,7 @@
             <a:fld id="{D604A245-C8BD-064D-B7C3-50DA7C8D409F}" type="datetimeFigureOut">
               <a:rPr lang="en-US" smtClean="0"/>
               <a:pPr/>
-              <a:t>11/4/2014</a:t>
+              <a:t>11/5/2014</a:t>
             </a:fld>
             <a:endParaRPr lang="en-US"/>
           </a:p>
@@ -2637,7 +2637,7 @@
             <a:fld id="{D604A245-C8BD-064D-B7C3-50DA7C8D409F}" type="datetimeFigureOut">
               <a:rPr lang="en-US" smtClean="0"/>
               <a:pPr/>
-              <a:t>11/4/2014</a:t>
+              <a:t>11/5/2014</a:t>
             </a:fld>
             <a:endParaRPr lang="en-US"/>
           </a:p>
@@ -2916,7 +2916,7 @@
             <a:fld id="{D604A245-C8BD-064D-B7C3-50DA7C8D409F}" type="datetimeFigureOut">
               <a:rPr lang="en-US" smtClean="0"/>
               <a:pPr/>
-              <a:t>11/4/2014</a:t>
+              <a:t>11/5/2014</a:t>
             </a:fld>
             <a:endParaRPr lang="en-US"/>
           </a:p>
@@ -3171,7 +3171,7 @@
             <a:fld id="{D604A245-C8BD-064D-B7C3-50DA7C8D409F}" type="datetimeFigureOut">
               <a:rPr lang="en-US" smtClean="0"/>
               <a:pPr/>
-              <a:t>11/4/2014</a:t>
+              <a:t>11/5/2014</a:t>
             </a:fld>
             <a:endParaRPr lang="en-US"/>
           </a:p>
@@ -3386,7 +3386,7 @@
             <a:fld id="{D604A245-C8BD-064D-B7C3-50DA7C8D409F}" type="datetimeFigureOut">
               <a:rPr lang="en-US" smtClean="0"/>
               <a:pPr/>
-              <a:t>11/4/2014</a:t>
+              <a:t>11/5/2014</a:t>
             </a:fld>
             <a:endParaRPr lang="en-US"/>
           </a:p>
@@ -4974,6 +4974,13 @@
   <p:clrMapOvr>
     <a:masterClrMapping/>
   </p:clrMapOvr>
+  <p:timing>
+    <p:tnLst>
+      <p:par>
+        <p:cTn id="1" dur="indefinite" restart="never" nodeType="tmRoot"/>
+      </p:par>
+    </p:tnLst>
+  </p:timing>
 </p:sld>
 </file>
 
@@ -5212,7 +5219,7 @@
       </p:sp>
       <p:pic>
         <p:nvPicPr>
-          <p:cNvPr id="1026" name="Picture 2"/>
+          <p:cNvPr id="1027" name="Picture 3"/>
           <p:cNvPicPr>
             <a:picLocks noChangeAspect="1" noChangeArrowheads="1"/>
           </p:cNvPicPr>
@@ -5233,8 +5240,8 @@
         </p:blipFill>
         <p:spPr bwMode="auto">
           <a:xfrm>
-            <a:off x="6855165" y="4335423"/>
-            <a:ext cx="1479210" cy="1843050"/>
+            <a:off x="4413687" y="4609490"/>
+            <a:ext cx="1879552" cy="1677139"/>
           </a:xfrm>
           <a:prstGeom prst="rect">
             <a:avLst/>
@@ -5276,9 +5283,9 @@
       </p:pic>
       <p:pic>
         <p:nvPicPr>
-          <p:cNvPr id="1027" name="Picture 3"/>
+          <p:cNvPr id="38" name="Picture 37"/>
           <p:cNvPicPr>
-            <a:picLocks noChangeAspect="1" noChangeArrowheads="1"/>
+            <a:picLocks noChangeAspect="1"/>
           </p:cNvPicPr>
           <p:nvPr/>
         </p:nvPicPr>
@@ -5290,57 +5297,367 @@
               </a:ext>
             </a:extLst>
           </a:blip>
-          <a:srcRect/>
           <a:stretch>
             <a:fillRect/>
           </a:stretch>
         </p:blipFill>
-        <p:spPr bwMode="auto">
-          <a:xfrm>
-            <a:off x="4413687" y="4609490"/>
-            <a:ext cx="1879552" cy="1677139"/>
+        <p:spPr>
+          <a:xfrm>
+            <a:off x="1337366" y="4394716"/>
+            <a:ext cx="2922258" cy="1844675"/>
           </a:xfrm>
           <a:prstGeom prst="rect">
             <a:avLst/>
           </a:prstGeom>
+        </p:spPr>
+      </p:pic>
+      <p:sp>
+        <p:nvSpPr>
+          <p:cNvPr id="41" name="TextBox 40"/>
+          <p:cNvSpPr txBox="1"/>
+          <p:nvPr/>
+        </p:nvSpPr>
+        <p:spPr>
+          <a:xfrm>
+            <a:off x="1190625" y="4181475"/>
+            <a:ext cx="290464" cy="369332"/>
+          </a:xfrm>
+          <a:prstGeom prst="rect">
+            <a:avLst/>
+          </a:prstGeom>
           <a:noFill/>
-          <a:ln>
-            <a:noFill/>
-          </a:ln>
-          <a:effectLst/>
-          <a:extLst>
-            <a:ext uri="{909E8E84-426E-40DD-AFC4-6F175D3DCCD1}">
-              <a14:hiddenFill xmlns:a14="http://schemas.microsoft.com/office/drawing/2010/main">
+        </p:spPr>
+        <p:txBody>
+          <a:bodyPr wrap="none" rtlCol="0">
+            <a:spAutoFit/>
+          </a:bodyPr>
+          <a:lstStyle/>
+          <a:p>
+            <a:r>
+              <a:rPr lang="en-US" b="1" dirty="0" smtClean="0"/>
+              <a:t>F</a:t>
+            </a:r>
+            <a:endParaRPr lang="en-US" b="1" dirty="0"/>
+          </a:p>
+        </p:txBody>
+      </p:sp>
+      <p:sp>
+        <p:nvSpPr>
+          <p:cNvPr id="42" name="TextBox 41"/>
+          <p:cNvSpPr txBox="1"/>
+          <p:nvPr/>
+        </p:nvSpPr>
+        <p:spPr>
+          <a:xfrm>
+            <a:off x="3971925" y="4166116"/>
+            <a:ext cx="330540" cy="369332"/>
+          </a:xfrm>
+          <a:prstGeom prst="rect">
+            <a:avLst/>
+          </a:prstGeom>
+          <a:noFill/>
+        </p:spPr>
+        <p:txBody>
+          <a:bodyPr wrap="none" rtlCol="0">
+            <a:spAutoFit/>
+          </a:bodyPr>
+          <a:lstStyle/>
+          <a:p>
+            <a:r>
+              <a:rPr lang="en-US" b="1" dirty="0" smtClean="0"/>
+              <a:t>G</a:t>
+            </a:r>
+            <a:endParaRPr lang="en-US" b="1" dirty="0"/>
+          </a:p>
+        </p:txBody>
+      </p:sp>
+      <p:sp>
+        <p:nvSpPr>
+          <p:cNvPr id="43" name="TextBox 42"/>
+          <p:cNvSpPr txBox="1"/>
+          <p:nvPr/>
+        </p:nvSpPr>
+        <p:spPr>
+          <a:xfrm>
+            <a:off x="6524625" y="4150757"/>
+            <a:ext cx="330540" cy="369332"/>
+          </a:xfrm>
+          <a:prstGeom prst="rect">
+            <a:avLst/>
+          </a:prstGeom>
+          <a:noFill/>
+        </p:spPr>
+        <p:txBody>
+          <a:bodyPr wrap="none" rtlCol="0">
+            <a:spAutoFit/>
+          </a:bodyPr>
+          <a:lstStyle/>
+          <a:p>
+            <a:r>
+              <a:rPr lang="en-US" b="1" dirty="0" smtClean="0"/>
+              <a:t>H</a:t>
+            </a:r>
+            <a:endParaRPr lang="en-US" b="1" dirty="0"/>
+          </a:p>
+        </p:txBody>
+      </p:sp>
+      <p:sp>
+        <p:nvSpPr>
+          <p:cNvPr id="39" name="TextBox 38"/>
+          <p:cNvSpPr txBox="1"/>
+          <p:nvPr/>
+        </p:nvSpPr>
+        <p:spPr>
+          <a:xfrm>
+            <a:off x="123825" y="5172075"/>
+            <a:ext cx="689612" cy="369332"/>
+          </a:xfrm>
+          <a:prstGeom prst="rect">
+            <a:avLst/>
+          </a:prstGeom>
+          <a:noFill/>
+        </p:spPr>
+        <p:txBody>
+          <a:bodyPr wrap="none" rtlCol="0">
+            <a:spAutoFit/>
+          </a:bodyPr>
+          <a:lstStyle/>
+          <a:p>
+            <a:r>
+              <a:rPr lang="en-US" dirty="0" smtClean="0">
                 <a:solidFill>
-                  <a:schemeClr val="accent1"/>
+                  <a:srgbClr val="FF0000"/>
                 </a:solidFill>
-              </a14:hiddenFill>
-            </a:ext>
-            <a:ext uri="{91240B29-F687-4F45-9708-019B960494DF}">
-              <a14:hiddenLine xmlns:a14="http://schemas.microsoft.com/office/drawing/2010/main" w="9525">
+              </a:rPr>
+              <a:t>OSCC</a:t>
+            </a:r>
+            <a:endParaRPr lang="en-US" dirty="0">
+              <a:solidFill>
+                <a:srgbClr val="FF0000"/>
+              </a:solidFill>
+            </a:endParaRPr>
+          </a:p>
+        </p:txBody>
+      </p:sp>
+      <p:sp>
+        <p:nvSpPr>
+          <p:cNvPr id="40" name="TextBox 39"/>
+          <p:cNvSpPr txBox="1"/>
+          <p:nvPr/>
+        </p:nvSpPr>
+        <p:spPr>
+          <a:xfrm>
+            <a:off x="123825" y="3095625"/>
+            <a:ext cx="554960" cy="369332"/>
+          </a:xfrm>
+          <a:prstGeom prst="rect">
+            <a:avLst/>
+          </a:prstGeom>
+          <a:noFill/>
+        </p:spPr>
+        <p:txBody>
+          <a:bodyPr wrap="none" rtlCol="0">
+            <a:spAutoFit/>
+          </a:bodyPr>
+          <a:lstStyle/>
+          <a:p>
+            <a:r>
+              <a:rPr lang="en-US" dirty="0" smtClean="0">
                 <a:solidFill>
-                  <a:schemeClr val="tx1"/>
+                  <a:srgbClr val="FF0000"/>
                 </a:solidFill>
-                <a:miter lim="800000"/>
-                <a:headEnd/>
-                <a:tailEnd/>
-              </a14:hiddenLine>
-            </a:ext>
-            <a:ext uri="{AF507438-7753-43E0-B8FC-AC1667EBCBE1}">
-              <a14:hiddenEffects xmlns:a14="http://schemas.microsoft.com/office/drawing/2010/main">
-                <a:effectLst>
-                  <a:outerShdw dist="35921" dir="2700000" algn="ctr" rotWithShape="0">
-                    <a:schemeClr val="bg2"/>
-                  </a:outerShdw>
-                </a:effectLst>
-              </a14:hiddenEffects>
-            </a:ext>
-          </a:extLst>
-        </p:spPr>
-      </p:pic>
+              </a:rPr>
+              <a:t>OLK</a:t>
+            </a:r>
+            <a:endParaRPr lang="en-US" dirty="0">
+              <a:solidFill>
+                <a:srgbClr val="FF0000"/>
+              </a:solidFill>
+            </a:endParaRPr>
+          </a:p>
+        </p:txBody>
+      </p:sp>
+      <p:sp>
+        <p:nvSpPr>
+          <p:cNvPr id="44" name="TextBox 43"/>
+          <p:cNvSpPr txBox="1"/>
+          <p:nvPr/>
+        </p:nvSpPr>
+        <p:spPr>
+          <a:xfrm>
+            <a:off x="123825" y="1257300"/>
+            <a:ext cx="883575" cy="369332"/>
+          </a:xfrm>
+          <a:prstGeom prst="rect">
+            <a:avLst/>
+          </a:prstGeom>
+          <a:noFill/>
+        </p:spPr>
+        <p:txBody>
+          <a:bodyPr wrap="none" rtlCol="0">
+            <a:spAutoFit/>
+          </a:bodyPr>
+          <a:lstStyle/>
+          <a:p>
+            <a:r>
+              <a:rPr lang="en-US" dirty="0" smtClean="0">
+                <a:solidFill>
+                  <a:srgbClr val="FF0000"/>
+                </a:solidFill>
+              </a:rPr>
+              <a:t>Normal</a:t>
+            </a:r>
+            <a:endParaRPr lang="en-US" dirty="0">
+              <a:solidFill>
+                <a:srgbClr val="FF0000"/>
+              </a:solidFill>
+            </a:endParaRPr>
+          </a:p>
+        </p:txBody>
+      </p:sp>
+      <p:sp>
+        <p:nvSpPr>
+          <p:cNvPr id="45" name="TextBox 44"/>
+          <p:cNvSpPr txBox="1"/>
+          <p:nvPr/>
+        </p:nvSpPr>
+        <p:spPr>
+          <a:xfrm>
+            <a:off x="2079035" y="6457950"/>
+            <a:ext cx="1438920" cy="369332"/>
+          </a:xfrm>
+          <a:prstGeom prst="rect">
+            <a:avLst/>
+          </a:prstGeom>
+          <a:noFill/>
+        </p:spPr>
+        <p:txBody>
+          <a:bodyPr wrap="none" rtlCol="0">
+            <a:spAutoFit/>
+          </a:bodyPr>
+          <a:lstStyle/>
+          <a:p>
+            <a:r>
+              <a:rPr lang="en-US" dirty="0" smtClean="0">
+                <a:solidFill>
+                  <a:srgbClr val="FF0000"/>
+                </a:solidFill>
+              </a:rPr>
+              <a:t>Before </a:t>
+            </a:r>
+            <a:r>
+              <a:rPr lang="en-US" dirty="0" err="1" smtClean="0">
+                <a:solidFill>
+                  <a:srgbClr val="FF0000"/>
+                </a:solidFill>
+              </a:rPr>
+              <a:t>EdTAR</a:t>
+            </a:r>
+            <a:endParaRPr lang="en-US" dirty="0">
+              <a:solidFill>
+                <a:srgbClr val="FF0000"/>
+              </a:solidFill>
+            </a:endParaRPr>
+          </a:p>
+        </p:txBody>
+      </p:sp>
+      <p:sp>
+        <p:nvSpPr>
+          <p:cNvPr id="48" name="TextBox 47"/>
+          <p:cNvSpPr txBox="1"/>
+          <p:nvPr/>
+        </p:nvSpPr>
+        <p:spPr>
+          <a:xfrm>
+            <a:off x="4551945" y="6267451"/>
+            <a:ext cx="1698285" cy="646331"/>
+          </a:xfrm>
+          <a:prstGeom prst="rect">
+            <a:avLst/>
+          </a:prstGeom>
+          <a:noFill/>
+        </p:spPr>
+        <p:txBody>
+          <a:bodyPr wrap="square" rtlCol="0">
+            <a:spAutoFit/>
+          </a:bodyPr>
+          <a:lstStyle/>
+          <a:p>
+            <a:r>
+              <a:rPr lang="en-US" dirty="0" smtClean="0">
+                <a:solidFill>
+                  <a:srgbClr val="FF0000"/>
+                </a:solidFill>
+              </a:rPr>
+              <a:t>After extraction </a:t>
+            </a:r>
+          </a:p>
+          <a:p>
+            <a:r>
+              <a:rPr lang="en-US" dirty="0" smtClean="0">
+                <a:solidFill>
+                  <a:srgbClr val="FF0000"/>
+                </a:solidFill>
+              </a:rPr>
+              <a:t>of diploid</a:t>
+            </a:r>
+            <a:endParaRPr lang="en-US" dirty="0">
+              <a:solidFill>
+                <a:srgbClr val="FF0000"/>
+              </a:solidFill>
+            </a:endParaRPr>
+          </a:p>
+        </p:txBody>
+      </p:sp>
+      <p:sp>
+        <p:nvSpPr>
+          <p:cNvPr id="49" name="TextBox 48"/>
+          <p:cNvSpPr txBox="1"/>
+          <p:nvPr/>
+        </p:nvSpPr>
+        <p:spPr>
+          <a:xfrm>
+            <a:off x="7062971" y="6429891"/>
+            <a:ext cx="1347604" cy="369332"/>
+          </a:xfrm>
+          <a:prstGeom prst="rect">
+            <a:avLst/>
+          </a:prstGeom>
+          <a:noFill/>
+        </p:spPr>
+        <p:txBody>
+          <a:bodyPr wrap="square" rtlCol="0">
+            <a:spAutoFit/>
+          </a:bodyPr>
+          <a:lstStyle/>
+          <a:p>
+            <a:r>
+              <a:rPr lang="en-US" dirty="0" smtClean="0">
+                <a:solidFill>
+                  <a:srgbClr val="FF0000"/>
+                </a:solidFill>
+              </a:rPr>
+              <a:t>After </a:t>
+            </a:r>
+            <a:r>
+              <a:rPr lang="en-US" dirty="0" err="1" smtClean="0">
+                <a:solidFill>
+                  <a:srgbClr val="FF0000"/>
+                </a:solidFill>
+              </a:rPr>
+              <a:t>EdTAR</a:t>
+            </a:r>
+            <a:endParaRPr lang="en-US" dirty="0">
+              <a:solidFill>
+                <a:srgbClr val="FF0000"/>
+              </a:solidFill>
+            </a:endParaRPr>
+          </a:p>
+        </p:txBody>
+      </p:sp>
       <p:pic>
         <p:nvPicPr>
-          <p:cNvPr id="38" name="Picture 37"/>
+          <p:cNvPr id="4" name="Picture 3"/>
           <p:cNvPicPr>
             <a:picLocks noChangeAspect="1"/>
           </p:cNvPicPr>
@@ -5360,380 +5677,6 @@
         </p:blipFill>
         <p:spPr>
           <a:xfrm>
-            <a:off x="1337366" y="4394716"/>
-            <a:ext cx="2922258" cy="1844675"/>
-          </a:xfrm>
-          <a:prstGeom prst="rect">
-            <a:avLst/>
-          </a:prstGeom>
-        </p:spPr>
-      </p:pic>
-      <p:sp>
-        <p:nvSpPr>
-          <p:cNvPr id="41" name="TextBox 40"/>
-          <p:cNvSpPr txBox="1"/>
-          <p:nvPr/>
-        </p:nvSpPr>
-        <p:spPr>
-          <a:xfrm>
-            <a:off x="1190625" y="4181475"/>
-            <a:ext cx="290464" cy="369332"/>
-          </a:xfrm>
-          <a:prstGeom prst="rect">
-            <a:avLst/>
-          </a:prstGeom>
-          <a:noFill/>
-        </p:spPr>
-        <p:txBody>
-          <a:bodyPr wrap="none" rtlCol="0">
-            <a:spAutoFit/>
-          </a:bodyPr>
-          <a:lstStyle/>
-          <a:p>
-            <a:r>
-              <a:rPr lang="en-US" b="1" dirty="0" smtClean="0"/>
-              <a:t>F</a:t>
-            </a:r>
-            <a:endParaRPr lang="en-US" b="1" dirty="0"/>
-          </a:p>
-        </p:txBody>
-      </p:sp>
-      <p:sp>
-        <p:nvSpPr>
-          <p:cNvPr id="42" name="TextBox 41"/>
-          <p:cNvSpPr txBox="1"/>
-          <p:nvPr/>
-        </p:nvSpPr>
-        <p:spPr>
-          <a:xfrm>
-            <a:off x="3971925" y="4166116"/>
-            <a:ext cx="330540" cy="369332"/>
-          </a:xfrm>
-          <a:prstGeom prst="rect">
-            <a:avLst/>
-          </a:prstGeom>
-          <a:noFill/>
-        </p:spPr>
-        <p:txBody>
-          <a:bodyPr wrap="none" rtlCol="0">
-            <a:spAutoFit/>
-          </a:bodyPr>
-          <a:lstStyle/>
-          <a:p>
-            <a:r>
-              <a:rPr lang="en-US" b="1" dirty="0" smtClean="0"/>
-              <a:t>G</a:t>
-            </a:r>
-            <a:endParaRPr lang="en-US" b="1" dirty="0"/>
-          </a:p>
-        </p:txBody>
-      </p:sp>
-      <p:sp>
-        <p:nvSpPr>
-          <p:cNvPr id="43" name="TextBox 42"/>
-          <p:cNvSpPr txBox="1"/>
-          <p:nvPr/>
-        </p:nvSpPr>
-        <p:spPr>
-          <a:xfrm>
-            <a:off x="6524625" y="4150757"/>
-            <a:ext cx="330540" cy="369332"/>
-          </a:xfrm>
-          <a:prstGeom prst="rect">
-            <a:avLst/>
-          </a:prstGeom>
-          <a:noFill/>
-        </p:spPr>
-        <p:txBody>
-          <a:bodyPr wrap="none" rtlCol="0">
-            <a:spAutoFit/>
-          </a:bodyPr>
-          <a:lstStyle/>
-          <a:p>
-            <a:r>
-              <a:rPr lang="en-US" b="1" dirty="0" smtClean="0"/>
-              <a:t>H</a:t>
-            </a:r>
-            <a:endParaRPr lang="en-US" b="1" dirty="0"/>
-          </a:p>
-        </p:txBody>
-      </p:sp>
-      <p:sp>
-        <p:nvSpPr>
-          <p:cNvPr id="39" name="TextBox 38"/>
-          <p:cNvSpPr txBox="1"/>
-          <p:nvPr/>
-        </p:nvSpPr>
-        <p:spPr>
-          <a:xfrm>
-            <a:off x="123825" y="5172075"/>
-            <a:ext cx="689612" cy="369332"/>
-          </a:xfrm>
-          <a:prstGeom prst="rect">
-            <a:avLst/>
-          </a:prstGeom>
-          <a:noFill/>
-        </p:spPr>
-        <p:txBody>
-          <a:bodyPr wrap="none" rtlCol="0">
-            <a:spAutoFit/>
-          </a:bodyPr>
-          <a:lstStyle/>
-          <a:p>
-            <a:r>
-              <a:rPr lang="en-US" dirty="0" smtClean="0">
-                <a:solidFill>
-                  <a:srgbClr val="FF0000"/>
-                </a:solidFill>
-              </a:rPr>
-              <a:t>OSCC</a:t>
-            </a:r>
-            <a:endParaRPr lang="en-US" dirty="0">
-              <a:solidFill>
-                <a:srgbClr val="FF0000"/>
-              </a:solidFill>
-            </a:endParaRPr>
-          </a:p>
-        </p:txBody>
-      </p:sp>
-      <p:sp>
-        <p:nvSpPr>
-          <p:cNvPr id="40" name="TextBox 39"/>
-          <p:cNvSpPr txBox="1"/>
-          <p:nvPr/>
-        </p:nvSpPr>
-        <p:spPr>
-          <a:xfrm>
-            <a:off x="123825" y="3095625"/>
-            <a:ext cx="554960" cy="369332"/>
-          </a:xfrm>
-          <a:prstGeom prst="rect">
-            <a:avLst/>
-          </a:prstGeom>
-          <a:noFill/>
-        </p:spPr>
-        <p:txBody>
-          <a:bodyPr wrap="none" rtlCol="0">
-            <a:spAutoFit/>
-          </a:bodyPr>
-          <a:lstStyle/>
-          <a:p>
-            <a:r>
-              <a:rPr lang="en-US" dirty="0" smtClean="0">
-                <a:solidFill>
-                  <a:srgbClr val="FF0000"/>
-                </a:solidFill>
-              </a:rPr>
-              <a:t>OLK</a:t>
-            </a:r>
-            <a:endParaRPr lang="en-US" dirty="0">
-              <a:solidFill>
-                <a:srgbClr val="FF0000"/>
-              </a:solidFill>
-            </a:endParaRPr>
-          </a:p>
-        </p:txBody>
-      </p:sp>
-      <p:sp>
-        <p:nvSpPr>
-          <p:cNvPr id="44" name="TextBox 43"/>
-          <p:cNvSpPr txBox="1"/>
-          <p:nvPr/>
-        </p:nvSpPr>
-        <p:spPr>
-          <a:xfrm>
-            <a:off x="123825" y="1257300"/>
-            <a:ext cx="883575" cy="369332"/>
-          </a:xfrm>
-          <a:prstGeom prst="rect">
-            <a:avLst/>
-          </a:prstGeom>
-          <a:noFill/>
-        </p:spPr>
-        <p:txBody>
-          <a:bodyPr wrap="none" rtlCol="0">
-            <a:spAutoFit/>
-          </a:bodyPr>
-          <a:lstStyle/>
-          <a:p>
-            <a:r>
-              <a:rPr lang="en-US" dirty="0" smtClean="0">
-                <a:solidFill>
-                  <a:srgbClr val="FF0000"/>
-                </a:solidFill>
-              </a:rPr>
-              <a:t>Normal</a:t>
-            </a:r>
-            <a:endParaRPr lang="en-US" dirty="0">
-              <a:solidFill>
-                <a:srgbClr val="FF0000"/>
-              </a:solidFill>
-            </a:endParaRPr>
-          </a:p>
-        </p:txBody>
-      </p:sp>
-      <p:sp>
-        <p:nvSpPr>
-          <p:cNvPr id="45" name="TextBox 44"/>
-          <p:cNvSpPr txBox="1"/>
-          <p:nvPr/>
-        </p:nvSpPr>
-        <p:spPr>
-          <a:xfrm>
-            <a:off x="2079035" y="6457950"/>
-            <a:ext cx="1438920" cy="369332"/>
-          </a:xfrm>
-          <a:prstGeom prst="rect">
-            <a:avLst/>
-          </a:prstGeom>
-          <a:noFill/>
-        </p:spPr>
-        <p:txBody>
-          <a:bodyPr wrap="none" rtlCol="0">
-            <a:spAutoFit/>
-          </a:bodyPr>
-          <a:lstStyle/>
-          <a:p>
-            <a:r>
-              <a:rPr lang="en-US" dirty="0" smtClean="0">
-                <a:solidFill>
-                  <a:srgbClr val="FF0000"/>
-                </a:solidFill>
-              </a:rPr>
-              <a:t>Before </a:t>
-            </a:r>
-            <a:r>
-              <a:rPr lang="en-US" dirty="0" err="1" smtClean="0">
-                <a:solidFill>
-                  <a:srgbClr val="FF0000"/>
-                </a:solidFill>
-              </a:rPr>
-              <a:t>EdTAR</a:t>
-            </a:r>
-            <a:endParaRPr lang="en-US" dirty="0">
-              <a:solidFill>
-                <a:srgbClr val="FF0000"/>
-              </a:solidFill>
-            </a:endParaRPr>
-          </a:p>
-        </p:txBody>
-      </p:sp>
-      <p:sp>
-        <p:nvSpPr>
-          <p:cNvPr id="48" name="TextBox 47"/>
-          <p:cNvSpPr txBox="1"/>
-          <p:nvPr/>
-        </p:nvSpPr>
-        <p:spPr>
-          <a:xfrm>
-            <a:off x="4551945" y="6267451"/>
-            <a:ext cx="1698285" cy="646331"/>
-          </a:xfrm>
-          <a:prstGeom prst="rect">
-            <a:avLst/>
-          </a:prstGeom>
-          <a:noFill/>
-        </p:spPr>
-        <p:txBody>
-          <a:bodyPr wrap="square" rtlCol="0">
-            <a:spAutoFit/>
-          </a:bodyPr>
-          <a:lstStyle/>
-          <a:p>
-            <a:r>
-              <a:rPr lang="en-US" dirty="0" smtClean="0">
-                <a:solidFill>
-                  <a:srgbClr val="FF0000"/>
-                </a:solidFill>
-              </a:rPr>
-              <a:t>After extraction </a:t>
-            </a:r>
-          </a:p>
-          <a:p>
-            <a:r>
-              <a:rPr lang="en-US" dirty="0" smtClean="0">
-                <a:solidFill>
-                  <a:srgbClr val="FF0000"/>
-                </a:solidFill>
-              </a:rPr>
-              <a:t>of diploid</a:t>
-            </a:r>
-            <a:endParaRPr lang="en-US" dirty="0">
-              <a:solidFill>
-                <a:srgbClr val="FF0000"/>
-              </a:solidFill>
-            </a:endParaRPr>
-          </a:p>
-        </p:txBody>
-      </p:sp>
-      <p:sp>
-        <p:nvSpPr>
-          <p:cNvPr id="49" name="TextBox 48"/>
-          <p:cNvSpPr txBox="1"/>
-          <p:nvPr/>
-        </p:nvSpPr>
-        <p:spPr>
-          <a:xfrm>
-            <a:off x="7062971" y="6429891"/>
-            <a:ext cx="1347604" cy="369332"/>
-          </a:xfrm>
-          <a:prstGeom prst="rect">
-            <a:avLst/>
-          </a:prstGeom>
-          <a:noFill/>
-        </p:spPr>
-        <p:txBody>
-          <a:bodyPr wrap="square" rtlCol="0">
-            <a:spAutoFit/>
-          </a:bodyPr>
-          <a:lstStyle/>
-          <a:p>
-            <a:r>
-              <a:rPr lang="en-US" dirty="0" smtClean="0">
-                <a:solidFill>
-                  <a:srgbClr val="FF0000"/>
-                </a:solidFill>
-              </a:rPr>
-              <a:t>After </a:t>
-            </a:r>
-            <a:r>
-              <a:rPr lang="en-US" dirty="0" err="1" smtClean="0">
-                <a:solidFill>
-                  <a:srgbClr val="FF0000"/>
-                </a:solidFill>
-              </a:rPr>
-              <a:t>EdTAR</a:t>
-            </a:r>
-            <a:endParaRPr lang="en-US" dirty="0">
-              <a:solidFill>
-                <a:srgbClr val="FF0000"/>
-              </a:solidFill>
-            </a:endParaRPr>
-          </a:p>
-        </p:txBody>
-      </p:sp>
-      <p:pic>
-        <p:nvPicPr>
-          <p:cNvPr id="4" name="Picture 3"/>
-          <p:cNvPicPr>
-            <a:picLocks noChangeAspect="1"/>
-          </p:cNvPicPr>
-          <p:nvPr/>
-        </p:nvPicPr>
-        <p:blipFill>
-          <a:blip r:embed="rId5">
-            <a:extLst>
-              <a:ext uri="{28A0092B-C50C-407E-A947-70E740481C1C}">
-                <a14:useLocalDpi xmlns:a14="http://schemas.microsoft.com/office/drawing/2010/main" val="0"/>
-              </a:ext>
-            </a:extLst>
-          </a:blip>
-          <a:stretch>
-            <a:fillRect/>
-          </a:stretch>
-        </p:blipFill>
-        <p:spPr>
-          <a:xfrm>
             <a:off x="1700603" y="2419350"/>
             <a:ext cx="2271321" cy="1770842"/>
           </a:xfrm>
@@ -5765,7 +5708,7 @@
             <p:nvPr/>
           </p:nvPicPr>
           <p:blipFill>
-            <a:blip r:embed="rId6">
+            <a:blip r:embed="rId5">
               <a:extLst>
                 <a:ext uri="{28A0092B-C50C-407E-A947-70E740481C1C}">
                   <a14:useLocalDpi xmlns:a14="http://schemas.microsoft.com/office/drawing/2010/main" val="0"/>
@@ -6272,7 +6215,7 @@
             <p:nvPr/>
           </p:nvPicPr>
           <p:blipFill>
-            <a:blip r:embed="rId6">
+            <a:blip r:embed="rId5">
               <a:extLst>
                 <a:ext uri="{28A0092B-C50C-407E-A947-70E740481C1C}">
                   <a14:useLocalDpi xmlns:a14="http://schemas.microsoft.com/office/drawing/2010/main" val="0"/>
@@ -6426,6 +6369,96 @@
           </p:txBody>
         </p:sp>
       </p:grpSp>
+      <p:pic>
+        <p:nvPicPr>
+          <p:cNvPr id="11" name="Picture 10"/>
+          <p:cNvPicPr>
+            <a:picLocks noChangeAspect="1"/>
+          </p:cNvPicPr>
+          <p:nvPr/>
+        </p:nvPicPr>
+        <p:blipFill>
+          <a:blip r:embed="rId6">
+            <a:extLst>
+              <a:ext uri="{28A0092B-C50C-407E-A947-70E740481C1C}">
+                <a14:useLocalDpi xmlns:a14="http://schemas.microsoft.com/office/drawing/2010/main" val="0"/>
+              </a:ext>
+            </a:extLst>
+          </a:blip>
+          <a:stretch>
+            <a:fillRect/>
+          </a:stretch>
+        </p:blipFill>
+        <p:spPr>
+          <a:xfrm>
+            <a:off x="6948671" y="215386"/>
+            <a:ext cx="1608490" cy="2131455"/>
+          </a:xfrm>
+          <a:prstGeom prst="rect">
+            <a:avLst/>
+          </a:prstGeom>
+        </p:spPr>
+      </p:pic>
+      <p:pic>
+        <p:nvPicPr>
+          <p:cNvPr id="14" name="Picture 13"/>
+          <p:cNvPicPr>
+            <a:picLocks noChangeAspect="1"/>
+          </p:cNvPicPr>
+          <p:nvPr/>
+        </p:nvPicPr>
+        <p:blipFill>
+          <a:blip r:embed="rId7">
+            <a:extLst>
+              <a:ext uri="{28A0092B-C50C-407E-A947-70E740481C1C}">
+                <a14:useLocalDpi xmlns:a14="http://schemas.microsoft.com/office/drawing/2010/main" val="0"/>
+              </a:ext>
+            </a:extLst>
+          </a:blip>
+          <a:stretch>
+            <a:fillRect/>
+          </a:stretch>
+        </p:blipFill>
+        <p:spPr>
+          <a:xfrm>
+            <a:off x="6948672" y="2275405"/>
+            <a:ext cx="1623338" cy="2145744"/>
+          </a:xfrm>
+          <a:prstGeom prst="rect">
+            <a:avLst/>
+          </a:prstGeom>
+        </p:spPr>
+      </p:pic>
+      <p:pic>
+        <p:nvPicPr>
+          <p:cNvPr id="16" name="Picture 15"/>
+          <p:cNvPicPr>
+            <a:picLocks noChangeAspect="1"/>
+          </p:cNvPicPr>
+          <p:nvPr/>
+        </p:nvPicPr>
+        <p:blipFill>
+          <a:blip r:embed="rId8">
+            <a:extLst>
+              <a:ext uri="{28A0092B-C50C-407E-A947-70E740481C1C}">
+                <a14:useLocalDpi xmlns:a14="http://schemas.microsoft.com/office/drawing/2010/main" val="0"/>
+              </a:ext>
+            </a:extLst>
+          </a:blip>
+          <a:stretch>
+            <a:fillRect/>
+          </a:stretch>
+        </p:blipFill>
+        <p:spPr>
+          <a:xfrm>
+            <a:off x="6972528" y="4306847"/>
+            <a:ext cx="1584634" cy="2081131"/>
+          </a:xfrm>
+          <a:prstGeom prst="rect">
+            <a:avLst/>
+          </a:prstGeom>
+        </p:spPr>
+      </p:pic>
     </p:spTree>
     <p:extLst>
       <p:ext uri="{BB962C8B-B14F-4D97-AF65-F5344CB8AC3E}">
@@ -6436,6 +6469,13 @@
   <p:clrMapOvr>
     <a:masterClrMapping/>
   </p:clrMapOvr>
+  <p:timing>
+    <p:tnLst>
+      <p:par>
+        <p:cTn id="1" dur="indefinite" restart="never" nodeType="tmRoot"/>
+      </p:par>
+    </p:tnLst>
+  </p:timing>
 </p:sld>
 </file>
 
@@ -6532,6 +6572,13 @@
   <p:clrMapOvr>
     <a:masterClrMapping/>
   </p:clrMapOvr>
+  <p:timing>
+    <p:tnLst>
+      <p:par>
+        <p:cTn id="1" dur="indefinite" restart="never" nodeType="tmRoot"/>
+      </p:par>
+    </p:tnLst>
+  </p:timing>
 </p:sld>
 </file>
 
@@ -6628,6 +6675,13 @@
   <p:clrMapOvr>
     <a:masterClrMapping/>
   </p:clrMapOvr>
+  <p:timing>
+    <p:tnLst>
+      <p:par>
+        <p:cTn id="1" dur="indefinite" restart="never" nodeType="tmRoot"/>
+      </p:par>
+    </p:tnLst>
+  </p:timing>
 </p:sld>
 </file>
 

--- a/manuscript/figures-draft-jyl.pptx
+++ b/manuscript/figures-draft-jyl.pptx
@@ -5569,8 +5569,8 @@
         </p:nvSpPr>
         <p:spPr>
           <a:xfrm>
-            <a:off x="4551945" y="6267451"/>
-            <a:ext cx="1698285" cy="646331"/>
+            <a:off x="4580520" y="6426078"/>
+            <a:ext cx="1782180" cy="369332"/>
           </a:xfrm>
           <a:prstGeom prst="rect">
             <a:avLst/>
@@ -5589,17 +5589,7 @@
                   <a:srgbClr val="FF0000"/>
                 </a:solidFill>
               </a:rPr>
-              <a:t>After extraction </a:t>
-            </a:r>
-          </a:p>
-          <a:p>
-            <a:r>
-              <a:rPr lang="en-US" dirty="0" smtClean="0">
-                <a:solidFill>
-                  <a:srgbClr val="FF0000"/>
-                </a:solidFill>
-              </a:rPr>
-              <a:t>of diploid</a:t>
+              <a:t>Revealing signals</a:t>
             </a:r>
             <a:endParaRPr lang="en-US" dirty="0">
               <a:solidFill>
@@ -5994,174 +5984,189 @@
           </a:p>
         </p:txBody>
       </p:sp>
-      <p:cxnSp>
-        <p:nvCxnSpPr>
-          <p:cNvPr id="33" name="Straight Arrow Connector 32"/>
-          <p:cNvCxnSpPr/>
+      <p:grpSp>
+        <p:nvGrpSpPr>
+          <p:cNvPr id="57" name="Group 56"/>
+          <p:cNvGrpSpPr/>
           <p:nvPr/>
-        </p:nvCxnSpPr>
-        <p:spPr>
-          <a:xfrm flipH="1">
-            <a:off x="3004044" y="3493532"/>
-            <a:ext cx="165594" cy="345043"/>
-          </a:xfrm>
-          <a:prstGeom prst="straightConnector1">
-            <a:avLst/>
-          </a:prstGeom>
-          <a:ln w="19050">
-            <a:solidFill>
-              <a:srgbClr val="FF0000"/>
-            </a:solidFill>
-            <a:tailEnd type="arrow"/>
-          </a:ln>
-        </p:spPr>
-        <p:style>
-          <a:lnRef idx="2">
-            <a:schemeClr val="accent1"/>
-          </a:lnRef>
-          <a:fillRef idx="0">
-            <a:schemeClr val="accent1"/>
-          </a:fillRef>
-          <a:effectRef idx="1">
-            <a:schemeClr val="accent1"/>
-          </a:effectRef>
-          <a:fontRef idx="minor">
-            <a:schemeClr val="tx1"/>
-          </a:fontRef>
-        </p:style>
-      </p:cxnSp>
-      <p:sp>
-        <p:nvSpPr>
-          <p:cNvPr id="34" name="TextBox 33"/>
-          <p:cNvSpPr txBox="1"/>
-          <p:nvPr/>
-        </p:nvSpPr>
-        <p:spPr>
+        </p:nvGrpSpPr>
+        <p:grpSpPr>
           <a:xfrm>
             <a:off x="3004044" y="3230119"/>
-            <a:ext cx="458780" cy="276999"/>
-          </a:xfrm>
-          <a:prstGeom prst="rect">
-            <a:avLst/>
-          </a:prstGeom>
-          <a:noFill/>
-        </p:spPr>
-        <p:txBody>
-          <a:bodyPr wrap="none" rtlCol="0">
-            <a:spAutoFit/>
-          </a:bodyPr>
-          <a:lstStyle/>
-          <a:p>
-            <a:r>
-              <a:rPr lang="en-US" sz="1200" dirty="0" smtClean="0"/>
-              <a:t>1.75</a:t>
-            </a:r>
-            <a:endParaRPr lang="en-US" sz="1200" dirty="0"/>
-          </a:p>
-        </p:txBody>
-      </p:sp>
-      <p:cxnSp>
-        <p:nvCxnSpPr>
-          <p:cNvPr id="35" name="Straight Arrow Connector 34"/>
-          <p:cNvCxnSpPr/>
-          <p:nvPr/>
-        </p:nvCxnSpPr>
-        <p:spPr>
-          <a:xfrm flipH="1">
-            <a:off x="3314093" y="3519117"/>
-            <a:ext cx="165594" cy="345043"/>
-          </a:xfrm>
-          <a:prstGeom prst="straightConnector1">
-            <a:avLst/>
-          </a:prstGeom>
-          <a:ln w="19050">
-            <a:solidFill>
-              <a:srgbClr val="FF0000"/>
-            </a:solidFill>
-            <a:tailEnd type="arrow"/>
-          </a:ln>
-        </p:spPr>
-        <p:style>
-          <a:lnRef idx="2">
-            <a:schemeClr val="accent1"/>
-          </a:lnRef>
-          <a:fillRef idx="0">
-            <a:schemeClr val="accent1"/>
-          </a:fillRef>
-          <a:effectRef idx="1">
-            <a:schemeClr val="accent1"/>
-          </a:effectRef>
-          <a:fontRef idx="minor">
-            <a:schemeClr val="tx1"/>
-          </a:fontRef>
-        </p:style>
-      </p:cxnSp>
-      <p:sp>
-        <p:nvSpPr>
-          <p:cNvPr id="36" name="TextBox 35"/>
-          <p:cNvSpPr txBox="1"/>
-          <p:nvPr/>
-        </p:nvSpPr>
-        <p:spPr>
-          <a:xfrm>
-            <a:off x="3314093" y="3255704"/>
-            <a:ext cx="458780" cy="276999"/>
-          </a:xfrm>
-          <a:prstGeom prst="rect">
-            <a:avLst/>
-          </a:prstGeom>
-          <a:noFill/>
-        </p:spPr>
-        <p:txBody>
-          <a:bodyPr wrap="none" rtlCol="0">
-            <a:spAutoFit/>
-          </a:bodyPr>
-          <a:lstStyle/>
-          <a:p>
-            <a:r>
-              <a:rPr lang="en-US" sz="1200" dirty="0" smtClean="0"/>
-              <a:t>2.22</a:t>
-            </a:r>
-            <a:endParaRPr lang="en-US" sz="1200" dirty="0"/>
-          </a:p>
-        </p:txBody>
-      </p:sp>
-      <p:cxnSp>
-        <p:nvCxnSpPr>
-          <p:cNvPr id="17" name="Straight Arrow Connector 16"/>
-          <p:cNvCxnSpPr/>
-          <p:nvPr/>
-        </p:nvCxnSpPr>
-        <p:spPr>
-          <a:xfrm>
-            <a:off x="3695700" y="3551753"/>
-            <a:ext cx="0" cy="324922"/>
-          </a:xfrm>
-          <a:prstGeom prst="straightConnector1">
-            <a:avLst/>
-          </a:prstGeom>
-          <a:ln w="19050">
-            <a:solidFill>
-              <a:srgbClr val="FF0000"/>
-            </a:solidFill>
-            <a:tailEnd type="arrow"/>
-          </a:ln>
-        </p:spPr>
-        <p:style>
-          <a:lnRef idx="2">
-            <a:schemeClr val="accent1"/>
-          </a:lnRef>
-          <a:fillRef idx="0">
-            <a:schemeClr val="accent1"/>
-          </a:fillRef>
-          <a:effectRef idx="1">
-            <a:schemeClr val="accent1"/>
-          </a:effectRef>
-          <a:fontRef idx="minor">
-            <a:schemeClr val="tx1"/>
-          </a:fontRef>
-        </p:style>
-      </p:cxnSp>
+            <a:ext cx="768829" cy="646556"/>
+            <a:chOff x="3004044" y="3230119"/>
+            <a:chExt cx="768829" cy="646556"/>
+          </a:xfrm>
+        </p:grpSpPr>
+        <p:cxnSp>
+          <p:nvCxnSpPr>
+            <p:cNvPr id="33" name="Straight Arrow Connector 32"/>
+            <p:cNvCxnSpPr/>
+            <p:nvPr/>
+          </p:nvCxnSpPr>
+          <p:spPr>
+            <a:xfrm flipH="1">
+              <a:off x="3004044" y="3493532"/>
+              <a:ext cx="165594" cy="345043"/>
+            </a:xfrm>
+            <a:prstGeom prst="straightConnector1">
+              <a:avLst/>
+            </a:prstGeom>
+            <a:ln w="19050">
+              <a:solidFill>
+                <a:srgbClr val="FF0000"/>
+              </a:solidFill>
+              <a:tailEnd type="arrow"/>
+            </a:ln>
+          </p:spPr>
+          <p:style>
+            <a:lnRef idx="2">
+              <a:schemeClr val="accent1"/>
+            </a:lnRef>
+            <a:fillRef idx="0">
+              <a:schemeClr val="accent1"/>
+            </a:fillRef>
+            <a:effectRef idx="1">
+              <a:schemeClr val="accent1"/>
+            </a:effectRef>
+            <a:fontRef idx="minor">
+              <a:schemeClr val="tx1"/>
+            </a:fontRef>
+          </p:style>
+        </p:cxnSp>
+        <p:sp>
+          <p:nvSpPr>
+            <p:cNvPr id="34" name="TextBox 33"/>
+            <p:cNvSpPr txBox="1"/>
+            <p:nvPr/>
+          </p:nvSpPr>
+          <p:spPr>
+            <a:xfrm>
+              <a:off x="3004044" y="3230119"/>
+              <a:ext cx="458780" cy="276999"/>
+            </a:xfrm>
+            <a:prstGeom prst="rect">
+              <a:avLst/>
+            </a:prstGeom>
+            <a:noFill/>
+          </p:spPr>
+          <p:txBody>
+            <a:bodyPr wrap="none" rtlCol="0">
+              <a:spAutoFit/>
+            </a:bodyPr>
+            <a:lstStyle/>
+            <a:p>
+              <a:r>
+                <a:rPr lang="en-US" sz="1200" dirty="0" smtClean="0"/>
+                <a:t>1.75</a:t>
+              </a:r>
+              <a:endParaRPr lang="en-US" sz="1200" dirty="0"/>
+            </a:p>
+          </p:txBody>
+        </p:sp>
+        <p:cxnSp>
+          <p:nvCxnSpPr>
+            <p:cNvPr id="35" name="Straight Arrow Connector 34"/>
+            <p:cNvCxnSpPr/>
+            <p:nvPr/>
+          </p:nvCxnSpPr>
+          <p:spPr>
+            <a:xfrm flipH="1">
+              <a:off x="3314093" y="3519117"/>
+              <a:ext cx="165594" cy="345043"/>
+            </a:xfrm>
+            <a:prstGeom prst="straightConnector1">
+              <a:avLst/>
+            </a:prstGeom>
+            <a:ln w="19050">
+              <a:solidFill>
+                <a:srgbClr val="FF0000"/>
+              </a:solidFill>
+              <a:tailEnd type="arrow"/>
+            </a:ln>
+          </p:spPr>
+          <p:style>
+            <a:lnRef idx="2">
+              <a:schemeClr val="accent1"/>
+            </a:lnRef>
+            <a:fillRef idx="0">
+              <a:schemeClr val="accent1"/>
+            </a:fillRef>
+            <a:effectRef idx="1">
+              <a:schemeClr val="accent1"/>
+            </a:effectRef>
+            <a:fontRef idx="minor">
+              <a:schemeClr val="tx1"/>
+            </a:fontRef>
+          </p:style>
+        </p:cxnSp>
+        <p:sp>
+          <p:nvSpPr>
+            <p:cNvPr id="36" name="TextBox 35"/>
+            <p:cNvSpPr txBox="1"/>
+            <p:nvPr/>
+          </p:nvSpPr>
+          <p:spPr>
+            <a:xfrm>
+              <a:off x="3314093" y="3255704"/>
+              <a:ext cx="458780" cy="276999"/>
+            </a:xfrm>
+            <a:prstGeom prst="rect">
+              <a:avLst/>
+            </a:prstGeom>
+            <a:noFill/>
+          </p:spPr>
+          <p:txBody>
+            <a:bodyPr wrap="none" rtlCol="0">
+              <a:spAutoFit/>
+            </a:bodyPr>
+            <a:lstStyle/>
+            <a:p>
+              <a:r>
+                <a:rPr lang="en-US" sz="1200" dirty="0" smtClean="0"/>
+                <a:t>2.22</a:t>
+              </a:r>
+              <a:endParaRPr lang="en-US" sz="1200" dirty="0"/>
+            </a:p>
+          </p:txBody>
+        </p:sp>
+        <p:cxnSp>
+          <p:nvCxnSpPr>
+            <p:cNvPr id="17" name="Straight Arrow Connector 16"/>
+            <p:cNvCxnSpPr/>
+            <p:nvPr/>
+          </p:nvCxnSpPr>
+          <p:spPr>
+            <a:xfrm>
+              <a:off x="3695700" y="3551753"/>
+              <a:ext cx="0" cy="324922"/>
+            </a:xfrm>
+            <a:prstGeom prst="straightConnector1">
+              <a:avLst/>
+            </a:prstGeom>
+            <a:ln w="19050">
+              <a:solidFill>
+                <a:srgbClr val="FF0000"/>
+              </a:solidFill>
+              <a:tailEnd type="arrow"/>
+            </a:ln>
+          </p:spPr>
+          <p:style>
+            <a:lnRef idx="2">
+              <a:schemeClr val="accent1"/>
+            </a:lnRef>
+            <a:fillRef idx="0">
+              <a:schemeClr val="accent1"/>
+            </a:fillRef>
+            <a:effectRef idx="1">
+              <a:schemeClr val="accent1"/>
+            </a:effectRef>
+            <a:fontRef idx="minor">
+              <a:schemeClr val="tx1"/>
+            </a:fontRef>
+          </p:style>
+        </p:cxnSp>
+      </p:grpSp>
       <p:sp>
         <p:nvSpPr>
           <p:cNvPr id="46" name="TextBox 45"/>
@@ -6459,6 +6464,381 @@
           </a:prstGeom>
         </p:spPr>
       </p:pic>
+      <p:cxnSp>
+        <p:nvCxnSpPr>
+          <p:cNvPr id="20" name="Straight Arrow Connector 19"/>
+          <p:cNvCxnSpPr/>
+          <p:nvPr/>
+        </p:nvCxnSpPr>
+        <p:spPr>
+          <a:xfrm>
+            <a:off x="1700603" y="3464957"/>
+            <a:ext cx="674533" cy="0"/>
+          </a:xfrm>
+          <a:prstGeom prst="straightConnector1">
+            <a:avLst/>
+          </a:prstGeom>
+          <a:ln>
+            <a:solidFill>
+              <a:srgbClr val="00B0F0"/>
+            </a:solidFill>
+            <a:tailEnd type="arrow"/>
+          </a:ln>
+        </p:spPr>
+        <p:style>
+          <a:lnRef idx="2">
+            <a:schemeClr val="accent1"/>
+          </a:lnRef>
+          <a:fillRef idx="0">
+            <a:schemeClr val="accent1"/>
+          </a:fillRef>
+          <a:effectRef idx="1">
+            <a:schemeClr val="accent1"/>
+          </a:effectRef>
+          <a:fontRef idx="minor">
+            <a:schemeClr val="tx1"/>
+          </a:fontRef>
+        </p:style>
+      </p:cxnSp>
+      <p:sp>
+        <p:nvSpPr>
+          <p:cNvPr id="21" name="TextBox 20"/>
+          <p:cNvSpPr txBox="1"/>
+          <p:nvPr/>
+        </p:nvSpPr>
+        <p:spPr>
+          <a:xfrm>
+            <a:off x="1156337" y="3309567"/>
+            <a:ext cx="550151" cy="307777"/>
+          </a:xfrm>
+          <a:prstGeom prst="rect">
+            <a:avLst/>
+          </a:prstGeom>
+          <a:noFill/>
+        </p:spPr>
+        <p:txBody>
+          <a:bodyPr wrap="none" rtlCol="0">
+            <a:spAutoFit/>
+          </a:bodyPr>
+          <a:lstStyle/>
+          <a:p>
+            <a:r>
+              <a:rPr lang="en-US" sz="1400" dirty="0" smtClean="0"/>
+              <a:t>3590</a:t>
+            </a:r>
+            <a:endParaRPr lang="en-US" sz="1400" dirty="0"/>
+          </a:p>
+        </p:txBody>
+      </p:sp>
+      <p:pic>
+        <p:nvPicPr>
+          <p:cNvPr id="22" name="Picture 21"/>
+          <p:cNvPicPr>
+            <a:picLocks noChangeAspect="1"/>
+          </p:cNvPicPr>
+          <p:nvPr/>
+        </p:nvPicPr>
+        <p:blipFill>
+          <a:blip r:embed="rId9">
+            <a:extLst>
+              <a:ext uri="{28A0092B-C50C-407E-A947-70E740481C1C}">
+                <a14:useLocalDpi xmlns:a14="http://schemas.microsoft.com/office/drawing/2010/main" val="0"/>
+              </a:ext>
+            </a:extLst>
+          </a:blip>
+          <a:stretch>
+            <a:fillRect/>
+          </a:stretch>
+        </p:blipFill>
+        <p:spPr>
+          <a:xfrm>
+            <a:off x="4235790" y="2406850"/>
+            <a:ext cx="2234341" cy="1773817"/>
+          </a:xfrm>
+          <a:prstGeom prst="rect">
+            <a:avLst/>
+          </a:prstGeom>
+        </p:spPr>
+      </p:pic>
+      <p:cxnSp>
+        <p:nvCxnSpPr>
+          <p:cNvPr id="55" name="Straight Arrow Connector 54"/>
+          <p:cNvCxnSpPr/>
+          <p:nvPr/>
+        </p:nvCxnSpPr>
+        <p:spPr>
+          <a:xfrm flipH="1">
+            <a:off x="4995854" y="2472214"/>
+            <a:ext cx="327696" cy="150852"/>
+          </a:xfrm>
+          <a:prstGeom prst="straightConnector1">
+            <a:avLst/>
+          </a:prstGeom>
+          <a:ln w="19050">
+            <a:solidFill>
+              <a:srgbClr val="FF0000"/>
+            </a:solidFill>
+            <a:tailEnd type="arrow"/>
+          </a:ln>
+        </p:spPr>
+        <p:style>
+          <a:lnRef idx="2">
+            <a:schemeClr val="accent1"/>
+          </a:lnRef>
+          <a:fillRef idx="0">
+            <a:schemeClr val="accent1"/>
+          </a:fillRef>
+          <a:effectRef idx="1">
+            <a:schemeClr val="accent1"/>
+          </a:effectRef>
+          <a:fontRef idx="minor">
+            <a:schemeClr val="tx1"/>
+          </a:fontRef>
+        </p:style>
+      </p:cxnSp>
+      <p:sp>
+        <p:nvSpPr>
+          <p:cNvPr id="56" name="TextBox 55"/>
+          <p:cNvSpPr txBox="1"/>
+          <p:nvPr/>
+        </p:nvSpPr>
+        <p:spPr>
+          <a:xfrm>
+            <a:off x="5188599" y="2250817"/>
+            <a:ext cx="458780" cy="276999"/>
+          </a:xfrm>
+          <a:prstGeom prst="rect">
+            <a:avLst/>
+          </a:prstGeom>
+          <a:noFill/>
+        </p:spPr>
+        <p:txBody>
+          <a:bodyPr wrap="none" rtlCol="0">
+            <a:spAutoFit/>
+          </a:bodyPr>
+          <a:lstStyle/>
+          <a:p>
+            <a:r>
+              <a:rPr lang="en-US" sz="1200" dirty="0" smtClean="0"/>
+              <a:t>1.25</a:t>
+            </a:r>
+            <a:endParaRPr lang="en-US" sz="1200" dirty="0"/>
+          </a:p>
+        </p:txBody>
+      </p:sp>
+      <p:grpSp>
+        <p:nvGrpSpPr>
+          <p:cNvPr id="64" name="Group 63"/>
+          <p:cNvGrpSpPr/>
+          <p:nvPr/>
+        </p:nvGrpSpPr>
+        <p:grpSpPr>
+          <a:xfrm>
+            <a:off x="5372696" y="3192019"/>
+            <a:ext cx="768829" cy="646556"/>
+            <a:chOff x="3004044" y="3230119"/>
+            <a:chExt cx="768829" cy="646556"/>
+          </a:xfrm>
+        </p:grpSpPr>
+        <p:cxnSp>
+          <p:nvCxnSpPr>
+            <p:cNvPr id="65" name="Straight Arrow Connector 64"/>
+            <p:cNvCxnSpPr/>
+            <p:nvPr/>
+          </p:nvCxnSpPr>
+          <p:spPr>
+            <a:xfrm flipH="1">
+              <a:off x="3004044" y="3493532"/>
+              <a:ext cx="165594" cy="345043"/>
+            </a:xfrm>
+            <a:prstGeom prst="straightConnector1">
+              <a:avLst/>
+            </a:prstGeom>
+            <a:ln w="19050">
+              <a:solidFill>
+                <a:srgbClr val="FF0000"/>
+              </a:solidFill>
+              <a:tailEnd type="arrow"/>
+            </a:ln>
+          </p:spPr>
+          <p:style>
+            <a:lnRef idx="2">
+              <a:schemeClr val="accent1"/>
+            </a:lnRef>
+            <a:fillRef idx="0">
+              <a:schemeClr val="accent1"/>
+            </a:fillRef>
+            <a:effectRef idx="1">
+              <a:schemeClr val="accent1"/>
+            </a:effectRef>
+            <a:fontRef idx="minor">
+              <a:schemeClr val="tx1"/>
+            </a:fontRef>
+          </p:style>
+        </p:cxnSp>
+        <p:sp>
+          <p:nvSpPr>
+            <p:cNvPr id="66" name="TextBox 65"/>
+            <p:cNvSpPr txBox="1"/>
+            <p:nvPr/>
+          </p:nvSpPr>
+          <p:spPr>
+            <a:xfrm>
+              <a:off x="3004044" y="3230119"/>
+              <a:ext cx="458780" cy="276999"/>
+            </a:xfrm>
+            <a:prstGeom prst="rect">
+              <a:avLst/>
+            </a:prstGeom>
+            <a:noFill/>
+          </p:spPr>
+          <p:txBody>
+            <a:bodyPr wrap="none" rtlCol="0">
+              <a:spAutoFit/>
+            </a:bodyPr>
+            <a:lstStyle/>
+            <a:p>
+              <a:r>
+                <a:rPr lang="en-US" sz="1200" dirty="0" smtClean="0"/>
+                <a:t>1.75</a:t>
+              </a:r>
+              <a:endParaRPr lang="en-US" sz="1200" dirty="0"/>
+            </a:p>
+          </p:txBody>
+        </p:sp>
+        <p:cxnSp>
+          <p:nvCxnSpPr>
+            <p:cNvPr id="67" name="Straight Arrow Connector 66"/>
+            <p:cNvCxnSpPr/>
+            <p:nvPr/>
+          </p:nvCxnSpPr>
+          <p:spPr>
+            <a:xfrm flipH="1">
+              <a:off x="3314093" y="3519117"/>
+              <a:ext cx="165594" cy="345043"/>
+            </a:xfrm>
+            <a:prstGeom prst="straightConnector1">
+              <a:avLst/>
+            </a:prstGeom>
+            <a:ln w="19050">
+              <a:solidFill>
+                <a:srgbClr val="FF0000"/>
+              </a:solidFill>
+              <a:tailEnd type="arrow"/>
+            </a:ln>
+          </p:spPr>
+          <p:style>
+            <a:lnRef idx="2">
+              <a:schemeClr val="accent1"/>
+            </a:lnRef>
+            <a:fillRef idx="0">
+              <a:schemeClr val="accent1"/>
+            </a:fillRef>
+            <a:effectRef idx="1">
+              <a:schemeClr val="accent1"/>
+            </a:effectRef>
+            <a:fontRef idx="minor">
+              <a:schemeClr val="tx1"/>
+            </a:fontRef>
+          </p:style>
+        </p:cxnSp>
+        <p:sp>
+          <p:nvSpPr>
+            <p:cNvPr id="68" name="TextBox 67"/>
+            <p:cNvSpPr txBox="1"/>
+            <p:nvPr/>
+          </p:nvSpPr>
+          <p:spPr>
+            <a:xfrm>
+              <a:off x="3314093" y="3255704"/>
+              <a:ext cx="458780" cy="276999"/>
+            </a:xfrm>
+            <a:prstGeom prst="rect">
+              <a:avLst/>
+            </a:prstGeom>
+            <a:noFill/>
+          </p:spPr>
+          <p:txBody>
+            <a:bodyPr wrap="none" rtlCol="0">
+              <a:spAutoFit/>
+            </a:bodyPr>
+            <a:lstStyle/>
+            <a:p>
+              <a:r>
+                <a:rPr lang="en-US" sz="1200" dirty="0" smtClean="0"/>
+                <a:t>2.22</a:t>
+              </a:r>
+              <a:endParaRPr lang="en-US" sz="1200" dirty="0"/>
+            </a:p>
+          </p:txBody>
+        </p:sp>
+        <p:cxnSp>
+          <p:nvCxnSpPr>
+            <p:cNvPr id="69" name="Straight Arrow Connector 68"/>
+            <p:cNvCxnSpPr/>
+            <p:nvPr/>
+          </p:nvCxnSpPr>
+          <p:spPr>
+            <a:xfrm>
+              <a:off x="3695700" y="3551753"/>
+              <a:ext cx="0" cy="324922"/>
+            </a:xfrm>
+            <a:prstGeom prst="straightConnector1">
+              <a:avLst/>
+            </a:prstGeom>
+            <a:ln w="19050">
+              <a:solidFill>
+                <a:srgbClr val="FF0000"/>
+              </a:solidFill>
+              <a:tailEnd type="arrow"/>
+            </a:ln>
+          </p:spPr>
+          <p:style>
+            <a:lnRef idx="2">
+              <a:schemeClr val="accent1"/>
+            </a:lnRef>
+            <a:fillRef idx="0">
+              <a:schemeClr val="accent1"/>
+            </a:fillRef>
+            <a:effectRef idx="1">
+              <a:schemeClr val="accent1"/>
+            </a:effectRef>
+            <a:fontRef idx="minor">
+              <a:schemeClr val="tx1"/>
+            </a:fontRef>
+          </p:style>
+        </p:cxnSp>
+      </p:grpSp>
+      <p:sp>
+        <p:nvSpPr>
+          <p:cNvPr id="70" name="TextBox 69"/>
+          <p:cNvSpPr txBox="1"/>
+          <p:nvPr/>
+        </p:nvSpPr>
+        <p:spPr>
+          <a:xfrm>
+            <a:off x="5992990" y="3322379"/>
+            <a:ext cx="458780" cy="276999"/>
+          </a:xfrm>
+          <a:prstGeom prst="rect">
+            <a:avLst/>
+          </a:prstGeom>
+          <a:noFill/>
+        </p:spPr>
+        <p:txBody>
+          <a:bodyPr wrap="none" rtlCol="0">
+            <a:spAutoFit/>
+          </a:bodyPr>
+          <a:lstStyle/>
+          <a:p>
+            <a:r>
+              <a:rPr lang="en-US" sz="1200" dirty="0" smtClean="0"/>
+              <a:t>2.74</a:t>
+            </a:r>
+            <a:endParaRPr lang="en-US" sz="1200" dirty="0"/>
+          </a:p>
+        </p:txBody>
+      </p:sp>
     </p:spTree>
     <p:extLst>
       <p:ext uri="{BB962C8B-B14F-4D97-AF65-F5344CB8AC3E}">
